--- a/Finance_MERN.pptx
+++ b/Finance_MERN.pptx
@@ -1,21 +1,21 @@
 
 <file path=ppt/presentation.xml><?xml version="1.0" encoding="utf-8"?>
-<p:presentation xmlns:a="http://schemas.openxmlformats.org/drawingml/2006/main" xmlns:r="http://schemas.openxmlformats.org/officeDocument/2006/relationships" xmlns:p="http://schemas.openxmlformats.org/presentationml/2006/main" saveSubsetFonts="1" autoCompressPictures="0">
+<p:presentation xmlns:a="http://schemas.openxmlformats.org/drawingml/2006/main" xmlns:r="http://schemas.openxmlformats.org/officeDocument/2006/relationships" xmlns:p="http://schemas.openxmlformats.org/presentationml/2006/main" autoCompressPictures="0">
   <p:sldMasterIdLst>
     <p:sldMasterId id="2147483648" r:id="rId1"/>
   </p:sldMasterIdLst>
+  <p:notesMasterIdLst>
+    <p:notesMasterId r:id="rId4"/>
+  </p:notesMasterIdLst>
   <p:sldIdLst>
-    <p:sldId id="256" r:id="rId2"/>
-    <p:sldId id="257" r:id="rId3"/>
-    <p:sldId id="258" r:id="rId4"/>
-    <p:sldId id="259" r:id="rId5"/>
-    <p:sldId id="260" r:id="rId6"/>
-    <p:sldId id="261" r:id="rId7"/>
-    <p:sldId id="262" r:id="rId8"/>
+    <p:sldId id="256" r:id="rId3"/>
+    <p:sldId id="257" r:id="rId5"/>
+    <p:sldId id="258" r:id="rId6"/>
+    <p:sldId id="259" r:id="rId7"/>
+    <p:sldId id="260" r:id="rId8"/>
+    <p:sldId id="261" r:id="rId9"/>
+    <p:sldId id="262" r:id="rId10"/>
   </p:sldIdLst>
-  <p:notesMasterIdLst>
-    <p:notesMasterId r:id="rId9"/>
-  </p:notesMasterIdLst>
   <p:sldSz cx="14630400" cy="8229600"/>
   <p:notesSz cx="8229600" cy="14630400"/>
   <p:defaultTextStyle>
@@ -195,7 +195,6 @@
           <a:p>
             <a:fld id="{5282F153-3F37-0F45-9E97-73ACFA13230C}" type="datetimeFigureOut">
               <a:rPr lang="en-US"/>
-              <a:t>7/23/19</a:t>
             </a:fld>
             <a:endParaRPr lang="en-US"/>
           </a:p>
@@ -262,6 +261,7 @@
               <a:rPr lang="en-US"/>
               <a:t>Click to edit Master text styles</a:t>
             </a:r>
+            <a:endParaRPr lang="en-US"/>
           </a:p>
           <a:p>
             <a:pPr lvl="1"/>
@@ -269,6 +269,7 @@
               <a:rPr lang="en-US"/>
               <a:t>Second level</a:t>
             </a:r>
+            <a:endParaRPr lang="en-US"/>
           </a:p>
           <a:p>
             <a:pPr lvl="2"/>
@@ -276,6 +277,7 @@
               <a:rPr lang="en-US"/>
               <a:t>Third level</a:t>
             </a:r>
+            <a:endParaRPr lang="en-US"/>
           </a:p>
           <a:p>
             <a:pPr lvl="3"/>
@@ -283,6 +285,7 @@
               <a:rPr lang="en-US"/>
               <a:t>Fourth level</a:t>
             </a:r>
+            <a:endParaRPr lang="en-US"/>
           </a:p>
           <a:p>
             <a:pPr lvl="4"/>
@@ -290,6 +293,7 @@
               <a:rPr lang="en-US"/>
               <a:t>Fifth level</a:t>
             </a:r>
+            <a:endParaRPr lang="en-US"/>
           </a:p>
         </p:txBody>
       </p:sp>
@@ -353,18 +357,12 @@
           <a:p>
             <a:fld id="{CE5E9CC1-C706-0F49-92D6-E571CC5EEA8F}" type="slidenum">
               <a:rPr lang="en-US"/>
-              <a:t>‹#›</a:t>
             </a:fld>
             <a:endParaRPr lang="en-US"/>
           </a:p>
         </p:txBody>
       </p:sp>
     </p:spTree>
-    <p:extLst>
-      <p:ext uri="{BB962C8B-B14F-4D97-AF65-F5344CB8AC3E}">
-        <p14:creationId xmlns:p14="http://schemas.microsoft.com/office/powerpoint/2010/main" val="1024086991"/>
-      </p:ext>
-    </p:extLst>
   </p:cSld>
   <p:clrMap bg1="lt1" tx1="dk1" bg2="lt2" tx2="dk2" accent1="accent1" accent2="accent2" accent3="accent3" accent4="accent4" accent5="accent5" accent6="accent6" hlink="hlink" folHlink="folHlink"/>
   <p:notesStyle>
@@ -506,10 +504,6 @@
           <a:bodyPr/>
           <a:lstStyle/>
           <a:p>
-            <a:r>
-              <a:rPr lang="en-US" dirty="0"/>
-              <a:t/>
-            </a:r>
             <a:endParaRPr lang="en-US" dirty="0"/>
           </a:p>
         </p:txBody>
@@ -531,18 +525,12 @@
           <a:p>
             <a:fld id="{F7021451-1387-4CA6-816F-3879F97B5CBC}" type="slidenum">
               <a:rPr lang="en-US"/>
-              <a:t>1</a:t>
             </a:fld>
             <a:endParaRPr lang="en-US"/>
           </a:p>
         </p:txBody>
       </p:sp>
     </p:spTree>
-    <p:extLst>
-      <p:ext uri="{BB962C8B-B14F-4D97-AF65-F5344CB8AC3E}">
-        <p14:creationId xmlns:p14="http://schemas.microsoft.com/office/powerpoint/2010/main" val="1024086991"/>
-      </p:ext>
-    </p:extLst>
   </p:cSld>
   <p:clrMapOvr>
     <a:masterClrMapping/>
@@ -594,10 +582,6 @@
           <a:bodyPr/>
           <a:lstStyle/>
           <a:p>
-            <a:r>
-              <a:rPr lang="en-US" dirty="0"/>
-              <a:t/>
-            </a:r>
             <a:endParaRPr lang="en-US" dirty="0"/>
           </a:p>
         </p:txBody>
@@ -619,18 +603,12 @@
           <a:p>
             <a:fld id="{F7021451-1387-4CA6-816F-3879F97B5CBC}" type="slidenum">
               <a:rPr lang="en-US"/>
-              <a:t>2</a:t>
             </a:fld>
             <a:endParaRPr lang="en-US"/>
           </a:p>
         </p:txBody>
       </p:sp>
     </p:spTree>
-    <p:extLst>
-      <p:ext uri="{BB962C8B-B14F-4D97-AF65-F5344CB8AC3E}">
-        <p14:creationId xmlns:p14="http://schemas.microsoft.com/office/powerpoint/2010/main" val="1024086991"/>
-      </p:ext>
-    </p:extLst>
   </p:cSld>
   <p:clrMapOvr>
     <a:masterClrMapping/>
@@ -682,10 +660,6 @@
           <a:bodyPr/>
           <a:lstStyle/>
           <a:p>
-            <a:r>
-              <a:rPr lang="en-US" dirty="0"/>
-              <a:t/>
-            </a:r>
             <a:endParaRPr lang="en-US" dirty="0"/>
           </a:p>
         </p:txBody>
@@ -707,18 +681,12 @@
           <a:p>
             <a:fld id="{F7021451-1387-4CA6-816F-3879F97B5CBC}" type="slidenum">
               <a:rPr lang="en-US"/>
-              <a:t>3</a:t>
             </a:fld>
             <a:endParaRPr lang="en-US"/>
           </a:p>
         </p:txBody>
       </p:sp>
     </p:spTree>
-    <p:extLst>
-      <p:ext uri="{BB962C8B-B14F-4D97-AF65-F5344CB8AC3E}">
-        <p14:creationId xmlns:p14="http://schemas.microsoft.com/office/powerpoint/2010/main" val="1024086991"/>
-      </p:ext>
-    </p:extLst>
   </p:cSld>
   <p:clrMapOvr>
     <a:masterClrMapping/>
@@ -770,10 +738,6 @@
           <a:bodyPr/>
           <a:lstStyle/>
           <a:p>
-            <a:r>
-              <a:rPr lang="en-US" dirty="0"/>
-              <a:t/>
-            </a:r>
             <a:endParaRPr lang="en-US" dirty="0"/>
           </a:p>
         </p:txBody>
@@ -795,18 +759,12 @@
           <a:p>
             <a:fld id="{F7021451-1387-4CA6-816F-3879F97B5CBC}" type="slidenum">
               <a:rPr lang="en-US"/>
-              <a:t>4</a:t>
             </a:fld>
             <a:endParaRPr lang="en-US"/>
           </a:p>
         </p:txBody>
       </p:sp>
     </p:spTree>
-    <p:extLst>
-      <p:ext uri="{BB962C8B-B14F-4D97-AF65-F5344CB8AC3E}">
-        <p14:creationId xmlns:p14="http://schemas.microsoft.com/office/powerpoint/2010/main" val="1024086991"/>
-      </p:ext>
-    </p:extLst>
   </p:cSld>
   <p:clrMapOvr>
     <a:masterClrMapping/>
@@ -858,10 +816,6 @@
           <a:bodyPr/>
           <a:lstStyle/>
           <a:p>
-            <a:r>
-              <a:rPr lang="en-US" dirty="0"/>
-              <a:t/>
-            </a:r>
             <a:endParaRPr lang="en-US" dirty="0"/>
           </a:p>
         </p:txBody>
@@ -883,18 +837,12 @@
           <a:p>
             <a:fld id="{F7021451-1387-4CA6-816F-3879F97B5CBC}" type="slidenum">
               <a:rPr lang="en-US"/>
-              <a:t>5</a:t>
             </a:fld>
             <a:endParaRPr lang="en-US"/>
           </a:p>
         </p:txBody>
       </p:sp>
     </p:spTree>
-    <p:extLst>
-      <p:ext uri="{BB962C8B-B14F-4D97-AF65-F5344CB8AC3E}">
-        <p14:creationId xmlns:p14="http://schemas.microsoft.com/office/powerpoint/2010/main" val="1024086991"/>
-      </p:ext>
-    </p:extLst>
   </p:cSld>
   <p:clrMapOvr>
     <a:masterClrMapping/>
@@ -946,10 +894,6 @@
           <a:bodyPr/>
           <a:lstStyle/>
           <a:p>
-            <a:r>
-              <a:rPr lang="en-US" dirty="0"/>
-              <a:t/>
-            </a:r>
             <a:endParaRPr lang="en-US" dirty="0"/>
           </a:p>
         </p:txBody>
@@ -971,18 +915,12 @@
           <a:p>
             <a:fld id="{F7021451-1387-4CA6-816F-3879F97B5CBC}" type="slidenum">
               <a:rPr lang="en-US"/>
-              <a:t>6</a:t>
             </a:fld>
             <a:endParaRPr lang="en-US"/>
           </a:p>
         </p:txBody>
       </p:sp>
     </p:spTree>
-    <p:extLst>
-      <p:ext uri="{BB962C8B-B14F-4D97-AF65-F5344CB8AC3E}">
-        <p14:creationId xmlns:p14="http://schemas.microsoft.com/office/powerpoint/2010/main" val="1024086991"/>
-      </p:ext>
-    </p:extLst>
   </p:cSld>
   <p:clrMapOvr>
     <a:masterClrMapping/>
@@ -1034,10 +972,6 @@
           <a:bodyPr/>
           <a:lstStyle/>
           <a:p>
-            <a:r>
-              <a:rPr lang="en-US" dirty="0"/>
-              <a:t/>
-            </a:r>
             <a:endParaRPr lang="en-US" dirty="0"/>
           </a:p>
         </p:txBody>
@@ -1059,18 +993,12 @@
           <a:p>
             <a:fld id="{F7021451-1387-4CA6-816F-3879F97B5CBC}" type="slidenum">
               <a:rPr lang="en-US"/>
-              <a:t>7</a:t>
             </a:fld>
             <a:endParaRPr lang="en-US"/>
           </a:p>
         </p:txBody>
       </p:sp>
     </p:spTree>
-    <p:extLst>
-      <p:ext uri="{BB962C8B-B14F-4D97-AF65-F5344CB8AC3E}">
-        <p14:creationId xmlns:p14="http://schemas.microsoft.com/office/powerpoint/2010/main" val="1024086991"/>
-      </p:ext>
-    </p:extLst>
   </p:cSld>
   <p:clrMapOvr>
     <a:masterClrMapping/>
@@ -1111,6 +1039,11 @@
 <file path=ppt/slideMasters/slideMaster1.xml><?xml version="1.0" encoding="utf-8"?>
 <p:sldMaster xmlns:a="http://schemas.openxmlformats.org/drawingml/2006/main" xmlns:r="http://schemas.openxmlformats.org/officeDocument/2006/relationships" xmlns:p="http://schemas.openxmlformats.org/presentationml/2006/main">
   <p:cSld>
+    <p:bg>
+      <p:bgRef idx="1001">
+        <a:schemeClr val="bg1"/>
+      </p:bgRef>
+    </p:bg>
     <p:spTree>
       <p:nvGrpSpPr>
         <p:cNvPr id="1" name=""/>
@@ -1154,7 +1087,7 @@
         <a:spcBef>
           <a:spcPct val="20000"/>
         </a:spcBef>
-        <a:buFont typeface="Arial" pitchFamily="34" charset="0"/>
+        <a:buFont typeface="Arial" panose="020B0604020202020204" pitchFamily="34" charset="0"/>
         <a:buChar char="•"/>
         <a:defRPr sz="3200" kern="1200">
           <a:solidFill>
@@ -1169,7 +1102,7 @@
         <a:spcBef>
           <a:spcPct val="20000"/>
         </a:spcBef>
-        <a:buFont typeface="Arial" pitchFamily="34" charset="0"/>
+        <a:buFont typeface="Arial" panose="020B0604020202020204" pitchFamily="34" charset="0"/>
         <a:buChar char="–"/>
         <a:defRPr sz="2800" kern="1200">
           <a:solidFill>
@@ -1184,7 +1117,7 @@
         <a:spcBef>
           <a:spcPct val="20000"/>
         </a:spcBef>
-        <a:buFont typeface="Arial" pitchFamily="34" charset="0"/>
+        <a:buFont typeface="Arial" panose="020B0604020202020204" pitchFamily="34" charset="0"/>
         <a:buChar char="•"/>
         <a:defRPr sz="2400" kern="1200">
           <a:solidFill>
@@ -1199,7 +1132,7 @@
         <a:spcBef>
           <a:spcPct val="20000"/>
         </a:spcBef>
-        <a:buFont typeface="Arial" pitchFamily="34" charset="0"/>
+        <a:buFont typeface="Arial" panose="020B0604020202020204" pitchFamily="34" charset="0"/>
         <a:buChar char="–"/>
         <a:defRPr sz="2000" kern="1200">
           <a:solidFill>
@@ -1214,7 +1147,7 @@
         <a:spcBef>
           <a:spcPct val="20000"/>
         </a:spcBef>
-        <a:buFont typeface="Arial" pitchFamily="34" charset="0"/>
+        <a:buFont typeface="Arial" panose="020B0604020202020204" pitchFamily="34" charset="0"/>
         <a:buChar char="»"/>
         <a:defRPr sz="2000" kern="1200">
           <a:solidFill>
@@ -1229,7 +1162,7 @@
         <a:spcBef>
           <a:spcPct val="20000"/>
         </a:spcBef>
-        <a:buFont typeface="Arial" pitchFamily="34" charset="0"/>
+        <a:buFont typeface="Arial" panose="020B0604020202020204" pitchFamily="34" charset="0"/>
         <a:buChar char="•"/>
         <a:defRPr sz="2000" kern="1200">
           <a:solidFill>
@@ -1244,7 +1177,7 @@
         <a:spcBef>
           <a:spcPct val="20000"/>
         </a:spcBef>
-        <a:buFont typeface="Arial" pitchFamily="34" charset="0"/>
+        <a:buFont typeface="Arial" panose="020B0604020202020204" pitchFamily="34" charset="0"/>
         <a:buChar char="•"/>
         <a:defRPr sz="2000" kern="1200">
           <a:solidFill>
@@ -1259,7 +1192,7 @@
         <a:spcBef>
           <a:spcPct val="20000"/>
         </a:spcBef>
-        <a:buFont typeface="Arial" pitchFamily="34" charset="0"/>
+        <a:buFont typeface="Arial" panose="020B0604020202020204" pitchFamily="34" charset="0"/>
         <a:buChar char="•"/>
         <a:defRPr sz="2000" kern="1200">
           <a:solidFill>
@@ -1274,7 +1207,7 @@
         <a:spcBef>
           <a:spcPct val="20000"/>
         </a:spcBef>
-        <a:buFont typeface="Arial" pitchFamily="34" charset="0"/>
+        <a:buFont typeface="Arial" panose="020B0604020202020204" pitchFamily="34" charset="0"/>
         <a:buChar char="•"/>
         <a:defRPr sz="2000" kern="1200">
           <a:solidFill>
@@ -1387,7 +1320,7 @@
 
 <file path=ppt/slides/slide1.xml><?xml version="1.0" encoding="utf-8"?>
 <p:sld xmlns:a="http://schemas.openxmlformats.org/drawingml/2006/main" xmlns:r="http://schemas.openxmlformats.org/officeDocument/2006/relationships" xmlns:p="http://schemas.openxmlformats.org/presentationml/2006/main">
-  <p:cSld name="Slide 1">
+  <p:cSld>
     <p:spTree>
       <p:nvGrpSpPr>
         <p:cNvPr id="1" name=""/>
@@ -1419,7 +1352,6 @@
           <a:solidFill>
             <a:srgbClr val="0C0C0E"/>
           </a:solidFill>
-          <a:ln/>
         </p:spPr>
       </p:sp>
       <p:sp>
@@ -1439,12 +1371,11 @@
           <a:solidFill>
             <a:srgbClr val="F3F3F7"/>
           </a:solidFill>
-          <a:ln/>
         </p:spPr>
       </p:sp>
       <p:pic>
         <p:nvPicPr>
-          <p:cNvPr id="4" name="Image 0" descr="preencoded.png">    </p:cNvPr>
+          <p:cNvPr id="4" name="Image 0" descr="preencoded.png"/>
           <p:cNvPicPr>
             <a:picLocks noChangeAspect="1"/>
           </p:cNvPicPr>
@@ -1481,20 +1412,19 @@
             <a:avLst/>
           </a:prstGeom>
           <a:noFill/>
-          <a:ln/>
         </p:spPr>
         <p:txBody>
           <a:bodyPr wrap="square" rtlCol="0" anchor="t"/>
           <a:lstStyle/>
           <a:p>
-            <a:pPr indent="0" marL="0">
+            <a:pPr marL="0" indent="0">
               <a:lnSpc>
-                <a:spcPts val="6561"/>
+                <a:spcPts val="6560"/>
               </a:lnSpc>
               <a:buNone/>
             </a:pPr>
             <a:r>
-              <a:rPr lang="en-US" sz="5249" b="1" dirty="0">
+              <a:rPr lang="en-US" sz="5250" b="1" dirty="0">
                 <a:solidFill>
                   <a:srgbClr val="101014"/>
                 </a:solidFill>
@@ -1504,7 +1434,7 @@
               </a:rPr>
               <a:t>Introduction to Finance Dashboard App with Machine Learning</a:t>
             </a:r>
-            <a:endParaRPr lang="en-US" sz="5249" dirty="0"/>
+            <a:endParaRPr lang="en-US" sz="5250" dirty="0"/>
           </a:p>
         </p:txBody>
       </p:sp>
@@ -1523,15 +1453,14 @@
             <a:avLst/>
           </a:prstGeom>
           <a:noFill/>
-          <a:ln/>
         </p:spPr>
         <p:txBody>
           <a:bodyPr wrap="square" rtlCol="0" anchor="t"/>
           <a:lstStyle/>
           <a:p>
-            <a:pPr indent="0" marL="0">
+            <a:pPr marL="0" indent="0">
               <a:lnSpc>
-                <a:spcPts val="2799"/>
+                <a:spcPts val="2800"/>
               </a:lnSpc>
               <a:buNone/>
             </a:pPr>
@@ -1575,98 +1504,6 @@
           </a:ln>
         </p:spPr>
       </p:sp>
-      <p:pic>
-        <p:nvPicPr>
-          <p:cNvPr id="8" name="Image 1" descr="preencoded.png">    </p:cNvPr>
-          <p:cNvPicPr>
-            <a:picLocks noChangeAspect="1"/>
-          </p:cNvPicPr>
-          <p:nvPr/>
-        </p:nvPicPr>
-        <p:blipFill>
-          <a:blip r:embed="rId2"/>
-          <a:stretch>
-            <a:fillRect/>
-          </a:stretch>
-        </p:blipFill>
-        <p:spPr>
-          <a:xfrm>
-            <a:off x="6327219" y="6019086"/>
-            <a:ext cx="340162" cy="340162"/>
-          </a:xfrm>
-          <a:prstGeom prst="rect">
-            <a:avLst/>
-          </a:prstGeom>
-        </p:spPr>
-      </p:pic>
-      <p:sp>
-        <p:nvSpPr>
-          <p:cNvPr id="9" name="Text 5"/>
-          <p:cNvSpPr/>
-          <p:nvPr/>
-        </p:nvSpPr>
-        <p:spPr>
-          <a:xfrm>
-            <a:off x="6786086" y="5994797"/>
-            <a:ext cx="3564017" cy="388858"/>
-          </a:xfrm>
-          <a:prstGeom prst="rect">
-            <a:avLst/>
-          </a:prstGeom>
-          <a:noFill/>
-          <a:ln/>
-        </p:spPr>
-        <p:txBody>
-          <a:bodyPr wrap="none" rtlCol="0" anchor="t"/>
-          <a:lstStyle/>
-          <a:p>
-            <a:pPr algn="l" indent="0" marL="0">
-              <a:lnSpc>
-                <a:spcPts val="3062"/>
-              </a:lnSpc>
-              <a:buNone/>
-            </a:pPr>
-            <a:r>
-              <a:rPr lang="en-US" sz="2187" b="1" dirty="0">
-                <a:solidFill>
-                  <a:srgbClr val="39393C"/>
-                </a:solidFill>
-                <a:latin typeface="Open Sans" pitchFamily="34" charset="0"/>
-                <a:ea typeface="Open Sans" pitchFamily="34" charset="-122"/>
-                <a:cs typeface="Open Sans" pitchFamily="34" charset="-120"/>
-              </a:rPr>
-              <a:t>by NARALASETTY VARUN .</a:t>
-            </a:r>
-            <a:endParaRPr lang="en-US" sz="2187" dirty="0"/>
-          </a:p>
-        </p:txBody>
-      </p:sp>
-      <p:pic>
-        <p:nvPicPr>
-          <p:cNvPr id="10" name="Image 2" descr="preencoded.png">
-            <a:hlinkClick r:id="rId4" tooltip=""/>
-          </p:cNvPr>
-          <p:cNvPicPr>
-            <a:picLocks noChangeAspect="1"/>
-          </p:cNvPicPr>
-          <p:nvPr/>
-        </p:nvPicPr>
-        <p:blipFill>
-          <a:blip r:embed="rId3"/>
-          <a:stretch>
-            <a:fillRect/>
-          </a:stretch>
-        </p:blipFill>
-        <p:spPr>
-          <a:xfrm>
-            <a:off x="12242153" y="7589520"/>
-            <a:ext cx="2296807" cy="548640"/>
-          </a:xfrm>
-          <a:prstGeom prst="rect">
-            <a:avLst/>
-          </a:prstGeom>
-        </p:spPr>
-      </p:pic>
     </p:spTree>
   </p:cSld>
   <p:clrMapOvr>
@@ -1677,7 +1514,7 @@
 
 <file path=ppt/slides/slide2.xml><?xml version="1.0" encoding="utf-8"?>
 <p:sld xmlns:a="http://schemas.openxmlformats.org/drawingml/2006/main" xmlns:r="http://schemas.openxmlformats.org/officeDocument/2006/relationships" xmlns:p="http://schemas.openxmlformats.org/presentationml/2006/main">
-  <p:cSld name="Slide 2">
+  <p:cSld>
     <p:spTree>
       <p:nvGrpSpPr>
         <p:cNvPr id="1" name=""/>
@@ -1709,7 +1546,6 @@
           <a:solidFill>
             <a:srgbClr val="0C0C0E"/>
           </a:solidFill>
-          <a:ln/>
         </p:spPr>
       </p:sp>
       <p:sp>
@@ -1729,12 +1565,11 @@
           <a:solidFill>
             <a:srgbClr val="F3F3F7"/>
           </a:solidFill>
-          <a:ln/>
         </p:spPr>
       </p:sp>
       <p:pic>
         <p:nvPicPr>
-          <p:cNvPr id="4" name="Image 0" descr="preencoded.png">    </p:cNvPr>
+          <p:cNvPr id="4" name="Image 0" descr="preencoded.png"/>
           <p:cNvPicPr>
             <a:picLocks noChangeAspect="1"/>
           </p:cNvPicPr>
@@ -1771,20 +1606,19 @@
             <a:avLst/>
           </a:prstGeom>
           <a:noFill/>
-          <a:ln/>
         </p:spPr>
         <p:txBody>
           <a:bodyPr wrap="none" rtlCol="0" anchor="t"/>
           <a:lstStyle/>
           <a:p>
-            <a:pPr indent="0" marL="0">
+            <a:pPr marL="0" indent="0">
               <a:lnSpc>
                 <a:spcPts val="4335"/>
               </a:lnSpc>
               <a:buNone/>
             </a:pPr>
             <a:r>
-              <a:rPr lang="en-US" sz="3468" b="1" dirty="0">
+              <a:rPr lang="en-US" sz="3470" b="1" dirty="0">
                 <a:solidFill>
                   <a:srgbClr val="101014"/>
                 </a:solidFill>
@@ -1794,7 +1628,7 @@
               </a:rPr>
               <a:t>Overview of MERN Stack</a:t>
             </a:r>
-            <a:endParaRPr lang="en-US" sz="3468" dirty="0"/>
+            <a:endParaRPr lang="en-US" sz="3470" dirty="0"/>
           </a:p>
         </p:txBody>
       </p:sp>
@@ -1815,7 +1649,6 @@
           <a:solidFill>
             <a:srgbClr val="DEDEE9"/>
           </a:solidFill>
-          <a:ln/>
         </p:spPr>
       </p:sp>
       <p:sp>
@@ -1835,7 +1668,6 @@
           <a:solidFill>
             <a:srgbClr val="DEDEE9"/>
           </a:solidFill>
-          <a:ln/>
         </p:spPr>
       </p:sp>
       <p:sp>
@@ -1857,7 +1689,6 @@
           <a:solidFill>
             <a:srgbClr val="DEDEE9"/>
           </a:solidFill>
-          <a:ln/>
         </p:spPr>
       </p:sp>
       <p:sp>
@@ -1875,20 +1706,19 @@
             <a:avLst/>
           </a:prstGeom>
           <a:noFill/>
-          <a:ln/>
         </p:spPr>
         <p:txBody>
           <a:bodyPr wrap="none" rtlCol="0" anchor="t"/>
           <a:lstStyle/>
           <a:p>
-            <a:pPr algn="ctr" indent="0" marL="0">
+            <a:pPr marL="0" indent="0" algn="ctr">
               <a:lnSpc>
-                <a:spcPts val="2601"/>
+                <a:spcPts val="2600"/>
               </a:lnSpc>
               <a:buNone/>
             </a:pPr>
             <a:r>
-              <a:rPr lang="en-US" sz="2081" b="1" dirty="0">
+              <a:rPr lang="en-US" sz="2080" b="1" dirty="0">
                 <a:solidFill>
                   <a:srgbClr val="101014"/>
                 </a:solidFill>
@@ -1898,7 +1728,7 @@
               </a:rPr>
               <a:t>1</a:t>
             </a:r>
-            <a:endParaRPr lang="en-US" sz="2081" dirty="0"/>
+            <a:endParaRPr lang="en-US" sz="2080" dirty="0"/>
           </a:p>
         </p:txBody>
       </p:sp>
@@ -1917,20 +1747,19 @@
             <a:avLst/>
           </a:prstGeom>
           <a:noFill/>
-          <a:ln/>
         </p:spPr>
         <p:txBody>
           <a:bodyPr wrap="none" rtlCol="0" anchor="t"/>
           <a:lstStyle/>
           <a:p>
-            <a:pPr algn="l" indent="0" marL="0">
+            <a:pPr marL="0" indent="0" algn="l">
               <a:lnSpc>
-                <a:spcPts val="2168"/>
+                <a:spcPts val="2170"/>
               </a:lnSpc>
               <a:buNone/>
             </a:pPr>
             <a:r>
-              <a:rPr lang="en-US" sz="1734" b="1" dirty="0">
+              <a:rPr lang="en-US" sz="1735" b="1" dirty="0">
                 <a:solidFill>
                   <a:srgbClr val="101014"/>
                 </a:solidFill>
@@ -1940,7 +1769,7 @@
               </a:rPr>
               <a:t>Frontend &amp; Backend</a:t>
             </a:r>
-            <a:endParaRPr lang="en-US" sz="1734" dirty="0"/>
+            <a:endParaRPr lang="en-US" sz="1735" dirty="0"/>
           </a:p>
         </p:txBody>
       </p:sp>
@@ -1959,20 +1788,19 @@
             <a:avLst/>
           </a:prstGeom>
           <a:noFill/>
-          <a:ln/>
         </p:spPr>
         <p:txBody>
           <a:bodyPr wrap="square" rtlCol="0" anchor="t"/>
           <a:lstStyle/>
           <a:p>
-            <a:pPr algn="l" indent="0" marL="0">
+            <a:pPr marL="0" indent="0" algn="l">
               <a:lnSpc>
                 <a:spcPts val="2220"/>
               </a:lnSpc>
               <a:buNone/>
             </a:pPr>
             <a:r>
-              <a:rPr lang="en-US" sz="1387" dirty="0">
+              <a:rPr lang="en-US" sz="1385" dirty="0">
                 <a:solidFill>
                   <a:srgbClr val="39393C"/>
                 </a:solidFill>
@@ -1982,7 +1810,7 @@
               </a:rPr>
               <a:t>MERN stack comprises MongoDB, Express.js, React, and Node.js, offering a comprehensive solution for building robust web applications.</a:t>
             </a:r>
-            <a:endParaRPr lang="en-US" sz="1387" dirty="0"/>
+            <a:endParaRPr lang="en-US" sz="1385" dirty="0"/>
           </a:p>
         </p:txBody>
       </p:sp>
@@ -2003,7 +1831,6 @@
           <a:solidFill>
             <a:srgbClr val="DEDEE9"/>
           </a:solidFill>
-          <a:ln/>
         </p:spPr>
       </p:sp>
       <p:sp>
@@ -2025,7 +1852,6 @@
           <a:solidFill>
             <a:srgbClr val="DEDEE9"/>
           </a:solidFill>
-          <a:ln/>
         </p:spPr>
       </p:sp>
       <p:sp>
@@ -2043,20 +1869,19 @@
             <a:avLst/>
           </a:prstGeom>
           <a:noFill/>
-          <a:ln/>
         </p:spPr>
         <p:txBody>
           <a:bodyPr wrap="none" rtlCol="0" anchor="t"/>
           <a:lstStyle/>
           <a:p>
-            <a:pPr algn="ctr" indent="0" marL="0">
+            <a:pPr marL="0" indent="0" algn="ctr">
               <a:lnSpc>
-                <a:spcPts val="2601"/>
+                <a:spcPts val="2600"/>
               </a:lnSpc>
               <a:buNone/>
             </a:pPr>
             <a:r>
-              <a:rPr lang="en-US" sz="2081" b="1" dirty="0">
+              <a:rPr lang="en-US" sz="2080" b="1" dirty="0">
                 <a:solidFill>
                   <a:srgbClr val="101014"/>
                 </a:solidFill>
@@ -2066,7 +1891,7 @@
               </a:rPr>
               <a:t>2</a:t>
             </a:r>
-            <a:endParaRPr lang="en-US" sz="2081" dirty="0"/>
+            <a:endParaRPr lang="en-US" sz="2080" dirty="0"/>
           </a:p>
         </p:txBody>
       </p:sp>
@@ -2085,20 +1910,19 @@
             <a:avLst/>
           </a:prstGeom>
           <a:noFill/>
-          <a:ln/>
         </p:spPr>
         <p:txBody>
           <a:bodyPr wrap="none" rtlCol="0" anchor="t"/>
           <a:lstStyle/>
           <a:p>
-            <a:pPr algn="l" indent="0" marL="0">
+            <a:pPr marL="0" indent="0" algn="l">
               <a:lnSpc>
-                <a:spcPts val="2168"/>
+                <a:spcPts val="2170"/>
               </a:lnSpc>
               <a:buNone/>
             </a:pPr>
             <a:r>
-              <a:rPr lang="en-US" sz="1734" b="1" dirty="0">
+              <a:rPr lang="en-US" sz="1735" b="1" dirty="0">
                 <a:solidFill>
                   <a:srgbClr val="101014"/>
                 </a:solidFill>
@@ -2108,7 +1932,7 @@
               </a:rPr>
               <a:t>Component-Based</a:t>
             </a:r>
-            <a:endParaRPr lang="en-US" sz="1734" dirty="0"/>
+            <a:endParaRPr lang="en-US" sz="1735" dirty="0"/>
           </a:p>
         </p:txBody>
       </p:sp>
@@ -2127,20 +1951,19 @@
             <a:avLst/>
           </a:prstGeom>
           <a:noFill/>
-          <a:ln/>
         </p:spPr>
         <p:txBody>
           <a:bodyPr wrap="square" rtlCol="0" anchor="t"/>
           <a:lstStyle/>
           <a:p>
-            <a:pPr algn="l" indent="0" marL="0">
+            <a:pPr marL="0" indent="0" algn="l">
               <a:lnSpc>
                 <a:spcPts val="2220"/>
               </a:lnSpc>
               <a:buNone/>
             </a:pPr>
             <a:r>
-              <a:rPr lang="en-US" sz="1387" dirty="0">
+              <a:rPr lang="en-US" sz="1385" dirty="0">
                 <a:solidFill>
                   <a:srgbClr val="39393C"/>
                 </a:solidFill>
@@ -2150,7 +1973,7 @@
               </a:rPr>
               <a:t>It follows a modular, component-based architecture, promoting code reusability and efficient development processes.</a:t>
             </a:r>
-            <a:endParaRPr lang="en-US" sz="1387" dirty="0"/>
+            <a:endParaRPr lang="en-US" sz="1385" dirty="0"/>
           </a:p>
         </p:txBody>
       </p:sp>
@@ -2171,7 +1994,6 @@
           <a:solidFill>
             <a:srgbClr val="DEDEE9"/>
           </a:solidFill>
-          <a:ln/>
         </p:spPr>
       </p:sp>
       <p:sp>
@@ -2193,7 +2015,6 @@
           <a:solidFill>
             <a:srgbClr val="DEDEE9"/>
           </a:solidFill>
-          <a:ln/>
         </p:spPr>
       </p:sp>
       <p:sp>
@@ -2211,20 +2032,19 @@
             <a:avLst/>
           </a:prstGeom>
           <a:noFill/>
-          <a:ln/>
         </p:spPr>
         <p:txBody>
           <a:bodyPr wrap="none" rtlCol="0" anchor="t"/>
           <a:lstStyle/>
           <a:p>
-            <a:pPr algn="ctr" indent="0" marL="0">
+            <a:pPr marL="0" indent="0" algn="ctr">
               <a:lnSpc>
-                <a:spcPts val="2601"/>
+                <a:spcPts val="2600"/>
               </a:lnSpc>
               <a:buNone/>
             </a:pPr>
             <a:r>
-              <a:rPr lang="en-US" sz="2081" b="1" dirty="0">
+              <a:rPr lang="en-US" sz="2080" b="1" dirty="0">
                 <a:solidFill>
                   <a:srgbClr val="101014"/>
                 </a:solidFill>
@@ -2234,7 +2054,7 @@
               </a:rPr>
               <a:t>3</a:t>
             </a:r>
-            <a:endParaRPr lang="en-US" sz="2081" dirty="0"/>
+            <a:endParaRPr lang="en-US" sz="2080" dirty="0"/>
           </a:p>
         </p:txBody>
       </p:sp>
@@ -2253,20 +2073,19 @@
             <a:avLst/>
           </a:prstGeom>
           <a:noFill/>
-          <a:ln/>
         </p:spPr>
         <p:txBody>
           <a:bodyPr wrap="none" rtlCol="0" anchor="t"/>
           <a:lstStyle/>
           <a:p>
-            <a:pPr algn="l" indent="0" marL="0">
+            <a:pPr marL="0" indent="0" algn="l">
               <a:lnSpc>
-                <a:spcPts val="2168"/>
+                <a:spcPts val="2170"/>
               </a:lnSpc>
               <a:buNone/>
             </a:pPr>
             <a:r>
-              <a:rPr lang="en-US" sz="1734" b="1" dirty="0">
+              <a:rPr lang="en-US" sz="1735" b="1" dirty="0">
                 <a:solidFill>
                   <a:srgbClr val="101014"/>
                 </a:solidFill>
@@ -2276,7 +2095,7 @@
               </a:rPr>
               <a:t>Community Support</a:t>
             </a:r>
-            <a:endParaRPr lang="en-US" sz="1734" dirty="0"/>
+            <a:endParaRPr lang="en-US" sz="1735" dirty="0"/>
           </a:p>
         </p:txBody>
       </p:sp>
@@ -2295,20 +2114,19 @@
             <a:avLst/>
           </a:prstGeom>
           <a:noFill/>
-          <a:ln/>
         </p:spPr>
         <p:txBody>
           <a:bodyPr wrap="square" rtlCol="0" anchor="t"/>
           <a:lstStyle/>
           <a:p>
-            <a:pPr algn="l" indent="0" marL="0">
+            <a:pPr marL="0" indent="0" algn="l">
               <a:lnSpc>
                 <a:spcPts val="2220"/>
               </a:lnSpc>
               <a:buNone/>
             </a:pPr>
             <a:r>
-              <a:rPr lang="en-US" sz="1387" dirty="0">
+              <a:rPr lang="en-US" sz="1385" dirty="0">
                 <a:solidFill>
                   <a:srgbClr val="39393C"/>
                 </a:solidFill>
@@ -2318,36 +2136,10 @@
               </a:rPr>
               <a:t>With active community support, MERN stack encourages the use of open source technologies and libraries, enabling fast-paced development.</a:t>
             </a:r>
-            <a:endParaRPr lang="en-US" sz="1387" dirty="0"/>
-          </a:p>
-        </p:txBody>
-      </p:sp>
-      <p:pic>
-        <p:nvPicPr>
-          <p:cNvPr id="22" name="Image 1" descr="preencoded.png">
-            <a:hlinkClick r:id="rId3" tooltip=""/>
-          </p:cNvPr>
-          <p:cNvPicPr>
-            <a:picLocks noChangeAspect="1"/>
-          </p:cNvPicPr>
-          <p:nvPr/>
-        </p:nvPicPr>
-        <p:blipFill>
-          <a:blip r:embed="rId2"/>
-          <a:stretch>
-            <a:fillRect/>
-          </a:stretch>
-        </p:blipFill>
-        <p:spPr>
-          <a:xfrm>
-            <a:off x="12242153" y="7589520"/>
-            <a:ext cx="2296807" cy="548640"/>
-          </a:xfrm>
-          <a:prstGeom prst="rect">
-            <a:avLst/>
-          </a:prstGeom>
-        </p:spPr>
-      </p:pic>
+            <a:endParaRPr lang="en-US" sz="1385" dirty="0"/>
+          </a:p>
+        </p:txBody>
+      </p:sp>
     </p:spTree>
   </p:cSld>
   <p:clrMapOvr>
@@ -2358,7 +2150,7 @@
 
 <file path=ppt/slides/slide3.xml><?xml version="1.0" encoding="utf-8"?>
 <p:sld xmlns:a="http://schemas.openxmlformats.org/drawingml/2006/main" xmlns:r="http://schemas.openxmlformats.org/officeDocument/2006/relationships" xmlns:p="http://schemas.openxmlformats.org/presentationml/2006/main">
-  <p:cSld name="Slide 3">
+  <p:cSld>
     <p:spTree>
       <p:nvGrpSpPr>
         <p:cNvPr id="1" name=""/>
@@ -2390,7 +2182,6 @@
           <a:solidFill>
             <a:srgbClr val="0C0C0E"/>
           </a:solidFill>
-          <a:ln/>
         </p:spPr>
       </p:sp>
       <p:sp>
@@ -2410,12 +2201,11 @@
           <a:solidFill>
             <a:srgbClr val="F3F3F7"/>
           </a:solidFill>
-          <a:ln/>
         </p:spPr>
       </p:sp>
       <p:pic>
         <p:nvPicPr>
-          <p:cNvPr id="4" name="Image 0" descr="preencoded.png">    </p:cNvPr>
+          <p:cNvPr id="4" name="Image 0" descr="preencoded.png"/>
           <p:cNvPicPr>
             <a:picLocks noChangeAspect="1"/>
           </p:cNvPicPr>
@@ -2452,20 +2242,19 @@
             <a:avLst/>
           </a:prstGeom>
           <a:noFill/>
-          <a:ln/>
         </p:spPr>
         <p:txBody>
           <a:bodyPr wrap="square" rtlCol="0" anchor="t"/>
           <a:lstStyle/>
           <a:p>
-            <a:pPr indent="0" marL="0">
+            <a:pPr marL="0" indent="0">
               <a:lnSpc>
-                <a:spcPts val="5468"/>
+                <a:spcPts val="5470"/>
               </a:lnSpc>
               <a:buNone/>
             </a:pPr>
             <a:r>
-              <a:rPr lang="en-US" sz="4374" b="1" dirty="0">
+              <a:rPr lang="en-US" sz="4375" b="1" dirty="0">
                 <a:solidFill>
                   <a:srgbClr val="101014"/>
                 </a:solidFill>
@@ -2475,7 +2264,7 @@
               </a:rPr>
               <a:t>Literature Review on Finance Dashboard App Development</a:t>
             </a:r>
-            <a:endParaRPr lang="en-US" sz="4374" dirty="0"/>
+            <a:endParaRPr lang="en-US" sz="4375" dirty="0"/>
           </a:p>
         </p:txBody>
       </p:sp>
@@ -2498,7 +2287,6 @@
           <a:solidFill>
             <a:srgbClr val="DEDEE9"/>
           </a:solidFill>
-          <a:ln/>
         </p:spPr>
       </p:sp>
       <p:sp>
@@ -2516,20 +2304,19 @@
             <a:avLst/>
           </a:prstGeom>
           <a:noFill/>
-          <a:ln/>
         </p:spPr>
         <p:txBody>
           <a:bodyPr wrap="none" rtlCol="0" anchor="t"/>
           <a:lstStyle/>
           <a:p>
-            <a:pPr algn="ctr" indent="0" marL="0">
+            <a:pPr marL="0" indent="0" algn="ctr">
               <a:lnSpc>
-                <a:spcPts val="3281"/>
+                <a:spcPts val="3280"/>
               </a:lnSpc>
               <a:buNone/>
             </a:pPr>
             <a:r>
-              <a:rPr lang="en-US" sz="2624" b="1" dirty="0">
+              <a:rPr lang="en-US" sz="2625" b="1" dirty="0">
                 <a:solidFill>
                   <a:srgbClr val="101014"/>
                 </a:solidFill>
@@ -2539,7 +2326,7 @@
               </a:rPr>
               <a:t>1</a:t>
             </a:r>
-            <a:endParaRPr lang="en-US" sz="2624" dirty="0"/>
+            <a:endParaRPr lang="en-US" sz="2625" dirty="0"/>
           </a:p>
         </p:txBody>
       </p:sp>
@@ -2558,20 +2345,19 @@
             <a:avLst/>
           </a:prstGeom>
           <a:noFill/>
-          <a:ln/>
         </p:spPr>
         <p:txBody>
           <a:bodyPr wrap="none" rtlCol="0" anchor="t"/>
           <a:lstStyle/>
           <a:p>
-            <a:pPr indent="0" marL="0">
+            <a:pPr marL="0" indent="0">
               <a:lnSpc>
-                <a:spcPts val="2734"/>
+                <a:spcPts val="2735"/>
               </a:lnSpc>
               <a:buNone/>
             </a:pPr>
             <a:r>
-              <a:rPr lang="en-US" sz="2187" b="1" dirty="0">
+              <a:rPr lang="en-US" sz="2185" b="1" dirty="0">
                 <a:solidFill>
                   <a:srgbClr val="101014"/>
                 </a:solidFill>
@@ -2581,7 +2367,7 @@
               </a:rPr>
               <a:t>Data Visualization</a:t>
             </a:r>
-            <a:endParaRPr lang="en-US" sz="2187" dirty="0"/>
+            <a:endParaRPr lang="en-US" sz="2185" dirty="0"/>
           </a:p>
         </p:txBody>
       </p:sp>
@@ -2600,15 +2386,14 @@
             <a:avLst/>
           </a:prstGeom>
           <a:noFill/>
-          <a:ln/>
         </p:spPr>
         <p:txBody>
           <a:bodyPr wrap="square" rtlCol="0" anchor="t"/>
           <a:lstStyle/>
           <a:p>
-            <a:pPr indent="0" marL="0">
+            <a:pPr marL="0" indent="0">
               <a:lnSpc>
-                <a:spcPts val="2799"/>
+                <a:spcPts val="2800"/>
               </a:lnSpc>
               <a:buNone/>
             </a:pPr>
@@ -2646,7 +2431,6 @@
           <a:solidFill>
             <a:srgbClr val="DEDEE9"/>
           </a:solidFill>
-          <a:ln/>
         </p:spPr>
       </p:sp>
       <p:sp>
@@ -2664,20 +2448,19 @@
             <a:avLst/>
           </a:prstGeom>
           <a:noFill/>
-          <a:ln/>
         </p:spPr>
         <p:txBody>
           <a:bodyPr wrap="none" rtlCol="0" anchor="t"/>
           <a:lstStyle/>
           <a:p>
-            <a:pPr algn="ctr" indent="0" marL="0">
+            <a:pPr marL="0" indent="0" algn="ctr">
               <a:lnSpc>
-                <a:spcPts val="3281"/>
+                <a:spcPts val="3280"/>
               </a:lnSpc>
               <a:buNone/>
             </a:pPr>
             <a:r>
-              <a:rPr lang="en-US" sz="2624" b="1" dirty="0">
+              <a:rPr lang="en-US" sz="2625" b="1" dirty="0">
                 <a:solidFill>
                   <a:srgbClr val="101014"/>
                 </a:solidFill>
@@ -2687,7 +2470,7 @@
               </a:rPr>
               <a:t>2</a:t>
             </a:r>
-            <a:endParaRPr lang="en-US" sz="2624" dirty="0"/>
+            <a:endParaRPr lang="en-US" sz="2625" dirty="0"/>
           </a:p>
         </p:txBody>
       </p:sp>
@@ -2706,20 +2489,19 @@
             <a:avLst/>
           </a:prstGeom>
           <a:noFill/>
-          <a:ln/>
         </p:spPr>
         <p:txBody>
           <a:bodyPr wrap="none" rtlCol="0" anchor="t"/>
           <a:lstStyle/>
           <a:p>
-            <a:pPr indent="0" marL="0">
+            <a:pPr marL="0" indent="0">
               <a:lnSpc>
-                <a:spcPts val="2734"/>
+                <a:spcPts val="2735"/>
               </a:lnSpc>
               <a:buNone/>
             </a:pPr>
             <a:r>
-              <a:rPr lang="en-US" sz="2187" b="1" dirty="0">
+              <a:rPr lang="en-US" sz="2185" b="1" dirty="0">
                 <a:solidFill>
                   <a:srgbClr val="101014"/>
                 </a:solidFill>
@@ -2729,7 +2511,7 @@
               </a:rPr>
               <a:t>User Experience</a:t>
             </a:r>
-            <a:endParaRPr lang="en-US" sz="2187" dirty="0"/>
+            <a:endParaRPr lang="en-US" sz="2185" dirty="0"/>
           </a:p>
         </p:txBody>
       </p:sp>
@@ -2748,15 +2530,14 @@
             <a:avLst/>
           </a:prstGeom>
           <a:noFill/>
-          <a:ln/>
         </p:spPr>
         <p:txBody>
           <a:bodyPr wrap="square" rtlCol="0" anchor="t"/>
           <a:lstStyle/>
           <a:p>
-            <a:pPr indent="0" marL="0">
+            <a:pPr marL="0" indent="0">
               <a:lnSpc>
-                <a:spcPts val="2799"/>
+                <a:spcPts val="2800"/>
               </a:lnSpc>
               <a:buNone/>
             </a:pPr>
@@ -2794,7 +2575,6 @@
           <a:solidFill>
             <a:srgbClr val="DEDEE9"/>
           </a:solidFill>
-          <a:ln/>
         </p:spPr>
       </p:sp>
       <p:sp>
@@ -2812,20 +2592,19 @@
             <a:avLst/>
           </a:prstGeom>
           <a:noFill/>
-          <a:ln/>
         </p:spPr>
         <p:txBody>
           <a:bodyPr wrap="none" rtlCol="0" anchor="t"/>
           <a:lstStyle/>
           <a:p>
-            <a:pPr algn="ctr" indent="0" marL="0">
+            <a:pPr marL="0" indent="0" algn="ctr">
               <a:lnSpc>
-                <a:spcPts val="3281"/>
+                <a:spcPts val="3280"/>
               </a:lnSpc>
               <a:buNone/>
             </a:pPr>
             <a:r>
-              <a:rPr lang="en-US" sz="2624" b="1" dirty="0">
+              <a:rPr lang="en-US" sz="2625" b="1" dirty="0">
                 <a:solidFill>
                   <a:srgbClr val="101014"/>
                 </a:solidFill>
@@ -2835,7 +2614,7 @@
               </a:rPr>
               <a:t>3</a:t>
             </a:r>
-            <a:endParaRPr lang="en-US" sz="2624" dirty="0"/>
+            <a:endParaRPr lang="en-US" sz="2625" dirty="0"/>
           </a:p>
         </p:txBody>
       </p:sp>
@@ -2854,20 +2633,19 @@
             <a:avLst/>
           </a:prstGeom>
           <a:noFill/>
-          <a:ln/>
         </p:spPr>
         <p:txBody>
           <a:bodyPr wrap="none" rtlCol="0" anchor="t"/>
           <a:lstStyle/>
           <a:p>
-            <a:pPr indent="0" marL="0">
+            <a:pPr marL="0" indent="0">
               <a:lnSpc>
-                <a:spcPts val="2734"/>
+                <a:spcPts val="2735"/>
               </a:lnSpc>
               <a:buNone/>
             </a:pPr>
             <a:r>
-              <a:rPr lang="en-US" sz="2187" b="1" dirty="0">
+              <a:rPr lang="en-US" sz="2185" b="1" dirty="0">
                 <a:solidFill>
                   <a:srgbClr val="101014"/>
                 </a:solidFill>
@@ -2877,7 +2655,7 @@
               </a:rPr>
               <a:t>Security Measures</a:t>
             </a:r>
-            <a:endParaRPr lang="en-US" sz="2187" dirty="0"/>
+            <a:endParaRPr lang="en-US" sz="2185" dirty="0"/>
           </a:p>
         </p:txBody>
       </p:sp>
@@ -2896,15 +2674,14 @@
             <a:avLst/>
           </a:prstGeom>
           <a:noFill/>
-          <a:ln/>
         </p:spPr>
         <p:txBody>
           <a:bodyPr wrap="square" rtlCol="0" anchor="t"/>
           <a:lstStyle/>
           <a:p>
-            <a:pPr indent="0" marL="0">
+            <a:pPr marL="0" indent="0">
               <a:lnSpc>
-                <a:spcPts val="2799"/>
+                <a:spcPts val="2800"/>
               </a:lnSpc>
               <a:buNone/>
             </a:pPr>
@@ -2923,32 +2700,6 @@
           </a:p>
         </p:txBody>
       </p:sp>
-      <p:pic>
-        <p:nvPicPr>
-          <p:cNvPr id="18" name="Image 1" descr="preencoded.png">
-            <a:hlinkClick r:id="rId3" tooltip=""/>
-          </p:cNvPr>
-          <p:cNvPicPr>
-            <a:picLocks noChangeAspect="1"/>
-          </p:cNvPicPr>
-          <p:nvPr/>
-        </p:nvPicPr>
-        <p:blipFill>
-          <a:blip r:embed="rId2"/>
-          <a:stretch>
-            <a:fillRect/>
-          </a:stretch>
-        </p:blipFill>
-        <p:spPr>
-          <a:xfrm>
-            <a:off x="12242153" y="7589520"/>
-            <a:ext cx="2296807" cy="548640"/>
-          </a:xfrm>
-          <a:prstGeom prst="rect">
-            <a:avLst/>
-          </a:prstGeom>
-        </p:spPr>
-      </p:pic>
     </p:spTree>
   </p:cSld>
   <p:clrMapOvr>
@@ -2959,7 +2710,7 @@
 
 <file path=ppt/slides/slide4.xml><?xml version="1.0" encoding="utf-8"?>
 <p:sld xmlns:a="http://schemas.openxmlformats.org/drawingml/2006/main" xmlns:r="http://schemas.openxmlformats.org/officeDocument/2006/relationships" xmlns:p="http://schemas.openxmlformats.org/presentationml/2006/main">
-  <p:cSld name="Slide 4">
+  <p:cSld>
     <p:spTree>
       <p:nvGrpSpPr>
         <p:cNvPr id="1" name=""/>
@@ -2991,7 +2742,6 @@
           <a:solidFill>
             <a:srgbClr val="0C0C0E"/>
           </a:solidFill>
-          <a:ln/>
         </p:spPr>
       </p:sp>
       <p:sp>
@@ -3011,7 +2761,6 @@
           <a:solidFill>
             <a:srgbClr val="F3F3F7"/>
           </a:solidFill>
-          <a:ln/>
         </p:spPr>
       </p:sp>
       <p:sp>
@@ -3029,20 +2778,19 @@
             <a:avLst/>
           </a:prstGeom>
           <a:noFill/>
-          <a:ln/>
         </p:spPr>
         <p:txBody>
           <a:bodyPr wrap="square" rtlCol="0" anchor="t"/>
           <a:lstStyle/>
           <a:p>
-            <a:pPr indent="0" marL="0">
+            <a:pPr marL="0" indent="0">
               <a:lnSpc>
-                <a:spcPts val="5468"/>
+                <a:spcPts val="5470"/>
               </a:lnSpc>
               <a:buNone/>
             </a:pPr>
             <a:r>
-              <a:rPr lang="en-US" sz="4374" b="1" dirty="0">
+              <a:rPr lang="en-US" sz="4375" b="1" dirty="0">
                 <a:solidFill>
                   <a:srgbClr val="101014"/>
                 </a:solidFill>
@@ -3052,7 +2800,7 @@
               </a:rPr>
               <a:t>Literature Review on Machine Learning in Finance</a:t>
             </a:r>
-            <a:endParaRPr lang="en-US" sz="4374" dirty="0"/>
+            <a:endParaRPr lang="en-US" sz="4375" dirty="0"/>
           </a:p>
         </p:txBody>
       </p:sp>
@@ -3071,20 +2819,19 @@
             <a:avLst/>
           </a:prstGeom>
           <a:noFill/>
-          <a:ln/>
         </p:spPr>
         <p:txBody>
           <a:bodyPr wrap="none" rtlCol="0" anchor="t"/>
           <a:lstStyle/>
           <a:p>
-            <a:pPr indent="0" marL="0">
+            <a:pPr marL="0" indent="0">
               <a:lnSpc>
-                <a:spcPts val="2734"/>
+                <a:spcPts val="2735"/>
               </a:lnSpc>
               <a:buNone/>
             </a:pPr>
             <a:r>
-              <a:rPr lang="en-US" sz="2187" b="1" dirty="0">
+              <a:rPr lang="en-US" sz="2185" b="1" dirty="0">
                 <a:solidFill>
                   <a:srgbClr val="101014"/>
                 </a:solidFill>
@@ -3094,7 +2841,7 @@
               </a:rPr>
               <a:t>Enhanced Predictive Analytics</a:t>
             </a:r>
-            <a:endParaRPr lang="en-US" sz="2187" dirty="0"/>
+            <a:endParaRPr lang="en-US" sz="2185" dirty="0"/>
           </a:p>
         </p:txBody>
       </p:sp>
@@ -3113,15 +2860,14 @@
             <a:avLst/>
           </a:prstGeom>
           <a:noFill/>
-          <a:ln/>
         </p:spPr>
         <p:txBody>
           <a:bodyPr wrap="square" rtlCol="0" anchor="t"/>
           <a:lstStyle/>
           <a:p>
-            <a:pPr indent="0" marL="0">
+            <a:pPr marL="0" indent="0">
               <a:lnSpc>
-                <a:spcPts val="2799"/>
+                <a:spcPts val="2800"/>
               </a:lnSpc>
               <a:buNone/>
             </a:pPr>
@@ -3155,20 +2901,19 @@
             <a:avLst/>
           </a:prstGeom>
           <a:noFill/>
-          <a:ln/>
         </p:spPr>
         <p:txBody>
           <a:bodyPr wrap="none" rtlCol="0" anchor="t"/>
           <a:lstStyle/>
           <a:p>
-            <a:pPr indent="0" marL="0">
+            <a:pPr marL="0" indent="0">
               <a:lnSpc>
-                <a:spcPts val="2734"/>
+                <a:spcPts val="2735"/>
               </a:lnSpc>
               <a:buNone/>
             </a:pPr>
             <a:r>
-              <a:rPr lang="en-US" sz="2187" b="1" dirty="0">
+              <a:rPr lang="en-US" sz="2185" b="1" dirty="0">
                 <a:solidFill>
                   <a:srgbClr val="101014"/>
                 </a:solidFill>
@@ -3178,7 +2923,7 @@
               </a:rPr>
               <a:t>Risk Management</a:t>
             </a:r>
-            <a:endParaRPr lang="en-US" sz="2187" dirty="0"/>
+            <a:endParaRPr lang="en-US" sz="2185" dirty="0"/>
           </a:p>
         </p:txBody>
       </p:sp>
@@ -3197,15 +2942,14 @@
             <a:avLst/>
           </a:prstGeom>
           <a:noFill/>
-          <a:ln/>
         </p:spPr>
         <p:txBody>
           <a:bodyPr wrap="square" rtlCol="0" anchor="t"/>
           <a:lstStyle/>
           <a:p>
-            <a:pPr indent="0" marL="0">
+            <a:pPr marL="0" indent="0">
               <a:lnSpc>
-                <a:spcPts val="2799"/>
+                <a:spcPts val="2800"/>
               </a:lnSpc>
               <a:buNone/>
             </a:pPr>
@@ -3224,32 +2968,6 @@
           </a:p>
         </p:txBody>
       </p:sp>
-      <p:pic>
-        <p:nvPicPr>
-          <p:cNvPr id="9" name="Image 0" descr="preencoded.png">
-            <a:hlinkClick r:id="rId2" tooltip=""/>
-          </p:cNvPr>
-          <p:cNvPicPr>
-            <a:picLocks noChangeAspect="1"/>
-          </p:cNvPicPr>
-          <p:nvPr/>
-        </p:nvPicPr>
-        <p:blipFill>
-          <a:blip r:embed="rId1"/>
-          <a:stretch>
-            <a:fillRect/>
-          </a:stretch>
-        </p:blipFill>
-        <p:spPr>
-          <a:xfrm>
-            <a:off x="12242153" y="7589520"/>
-            <a:ext cx="2296807" cy="548640"/>
-          </a:xfrm>
-          <a:prstGeom prst="rect">
-            <a:avLst/>
-          </a:prstGeom>
-        </p:spPr>
-      </p:pic>
     </p:spTree>
   </p:cSld>
   <p:clrMapOvr>
@@ -3260,7 +2978,7 @@
 
 <file path=ppt/slides/slide5.xml><?xml version="1.0" encoding="utf-8"?>
 <p:sld xmlns:a="http://schemas.openxmlformats.org/drawingml/2006/main" xmlns:r="http://schemas.openxmlformats.org/officeDocument/2006/relationships" xmlns:p="http://schemas.openxmlformats.org/presentationml/2006/main">
-  <p:cSld name="Slide 5">
+  <p:cSld>
     <p:spTree>
       <p:nvGrpSpPr>
         <p:cNvPr id="1" name=""/>
@@ -3292,7 +3010,6 @@
           <a:solidFill>
             <a:srgbClr val="0C0C0E"/>
           </a:solidFill>
-          <a:ln/>
         </p:spPr>
       </p:sp>
       <p:sp>
@@ -3312,12 +3029,11 @@
           <a:solidFill>
             <a:srgbClr val="F3F3F7"/>
           </a:solidFill>
-          <a:ln/>
         </p:spPr>
       </p:sp>
       <p:pic>
         <p:nvPicPr>
-          <p:cNvPr id="4" name="Image 0" descr="preencoded.png">    </p:cNvPr>
+          <p:cNvPr id="4" name="Image 0" descr="preencoded.png"/>
           <p:cNvPicPr>
             <a:picLocks noChangeAspect="1"/>
           </p:cNvPicPr>
@@ -3354,20 +3070,19 @@
             <a:avLst/>
           </a:prstGeom>
           <a:noFill/>
-          <a:ln/>
         </p:spPr>
         <p:txBody>
           <a:bodyPr wrap="square" rtlCol="0" anchor="t"/>
           <a:lstStyle/>
           <a:p>
-            <a:pPr indent="0" marL="0">
+            <a:pPr marL="0" indent="0">
               <a:lnSpc>
-                <a:spcPts val="5468"/>
+                <a:spcPts val="5470"/>
               </a:lnSpc>
               <a:buNone/>
             </a:pPr>
             <a:r>
-              <a:rPr lang="en-US" sz="4374" b="1" dirty="0">
+              <a:rPr lang="en-US" sz="4375" b="1" dirty="0">
                 <a:solidFill>
                   <a:srgbClr val="101014"/>
                 </a:solidFill>
@@ -3377,13 +3092,13 @@
               </a:rPr>
               <a:t>Literature Review on Integrating Machine Learning with MERN Stack</a:t>
             </a:r>
-            <a:endParaRPr lang="en-US" sz="4374" dirty="0"/>
+            <a:endParaRPr lang="en-US" sz="4375" dirty="0"/>
           </a:p>
         </p:txBody>
       </p:sp>
       <p:pic>
         <p:nvPicPr>
-          <p:cNvPr id="6" name="Image 1" descr="preencoded.png">    </p:cNvPr>
+          <p:cNvPr id="6" name="Image 1" descr="preencoded.png"/>
           <p:cNvPicPr>
             <a:picLocks noChangeAspect="1"/>
           </p:cNvPicPr>
@@ -3420,20 +3135,19 @@
             <a:avLst/>
           </a:prstGeom>
           <a:noFill/>
-          <a:ln/>
         </p:spPr>
         <p:txBody>
           <a:bodyPr wrap="none" rtlCol="0" anchor="t"/>
           <a:lstStyle/>
           <a:p>
-            <a:pPr algn="l" indent="0" marL="0">
+            <a:pPr marL="0" indent="0" algn="l">
               <a:lnSpc>
-                <a:spcPts val="2734"/>
+                <a:spcPts val="2735"/>
               </a:lnSpc>
               <a:buNone/>
             </a:pPr>
             <a:r>
-              <a:rPr lang="en-US" sz="2187" b="1" dirty="0">
+              <a:rPr lang="en-US" sz="2185" b="1" dirty="0">
                 <a:solidFill>
                   <a:srgbClr val="101014"/>
                 </a:solidFill>
@@ -3443,7 +3157,7 @@
               </a:rPr>
               <a:t>Seamless Integration</a:t>
             </a:r>
-            <a:endParaRPr lang="en-US" sz="2187" dirty="0"/>
+            <a:endParaRPr lang="en-US" sz="2185" dirty="0"/>
           </a:p>
         </p:txBody>
       </p:sp>
@@ -3462,15 +3176,14 @@
             <a:avLst/>
           </a:prstGeom>
           <a:noFill/>
-          <a:ln/>
         </p:spPr>
         <p:txBody>
           <a:bodyPr wrap="square" rtlCol="0" anchor="t"/>
           <a:lstStyle/>
           <a:p>
-            <a:pPr algn="l" indent="0" marL="0">
+            <a:pPr marL="0" indent="0" algn="l">
               <a:lnSpc>
-                <a:spcPts val="2799"/>
+                <a:spcPts val="2800"/>
               </a:lnSpc>
               <a:buNone/>
             </a:pPr>
@@ -3491,7 +3204,7 @@
       </p:sp>
       <p:pic>
         <p:nvPicPr>
-          <p:cNvPr id="9" name="Image 2" descr="preencoded.png">    </p:cNvPr>
+          <p:cNvPr id="9" name="Image 2" descr="preencoded.png"/>
           <p:cNvPicPr>
             <a:picLocks noChangeAspect="1"/>
           </p:cNvPicPr>
@@ -3528,20 +3241,19 @@
             <a:avLst/>
           </a:prstGeom>
           <a:noFill/>
-          <a:ln/>
         </p:spPr>
         <p:txBody>
           <a:bodyPr wrap="none" rtlCol="0" anchor="t"/>
           <a:lstStyle/>
           <a:p>
-            <a:pPr algn="l" indent="0" marL="0">
+            <a:pPr marL="0" indent="0" algn="l">
               <a:lnSpc>
-                <a:spcPts val="2734"/>
+                <a:spcPts val="2735"/>
               </a:lnSpc>
               <a:buNone/>
             </a:pPr>
             <a:r>
-              <a:rPr lang="en-US" sz="2187" b="1" dirty="0">
+              <a:rPr lang="en-US" sz="2185" b="1" dirty="0">
                 <a:solidFill>
                   <a:srgbClr val="101014"/>
                 </a:solidFill>
@@ -3551,7 +3263,7 @@
               </a:rPr>
               <a:t>Scalability &amp; Performance</a:t>
             </a:r>
-            <a:endParaRPr lang="en-US" sz="2187" dirty="0"/>
+            <a:endParaRPr lang="en-US" sz="2185" dirty="0"/>
           </a:p>
         </p:txBody>
       </p:sp>
@@ -3570,15 +3282,14 @@
             <a:avLst/>
           </a:prstGeom>
           <a:noFill/>
-          <a:ln/>
         </p:spPr>
         <p:txBody>
           <a:bodyPr wrap="square" rtlCol="0" anchor="t"/>
           <a:lstStyle/>
           <a:p>
-            <a:pPr algn="l" indent="0" marL="0">
+            <a:pPr marL="0" indent="0" algn="l">
               <a:lnSpc>
-                <a:spcPts val="2799"/>
+                <a:spcPts val="2800"/>
               </a:lnSpc>
               <a:buNone/>
             </a:pPr>
@@ -3600,7 +3311,7 @@
       <p:pic>
         <p:nvPicPr>
           <p:cNvPr id="12" name="Image 3" descr="preencoded.png">
-            <a:hlinkClick r:id="rId5" tooltip=""/>
+            <a:hlinkClick r:id="rId4"/>
           </p:cNvPr>
           <p:cNvPicPr>
             <a:picLocks noChangeAspect="1"/>
@@ -3608,7 +3319,7 @@
           <p:nvPr/>
         </p:nvPicPr>
         <p:blipFill>
-          <a:blip r:embed="rId4"/>
+          <a:blip r:embed="rId5"/>
           <a:stretch>
             <a:fillRect/>
           </a:stretch>
@@ -3633,7 +3344,7 @@
 
 <file path=ppt/slides/slide6.xml><?xml version="1.0" encoding="utf-8"?>
 <p:sld xmlns:a="http://schemas.openxmlformats.org/drawingml/2006/main" xmlns:r="http://schemas.openxmlformats.org/officeDocument/2006/relationships" xmlns:p="http://schemas.openxmlformats.org/presentationml/2006/main">
-  <p:cSld name="Slide 6">
+  <p:cSld>
     <p:spTree>
       <p:nvGrpSpPr>
         <p:cNvPr id="1" name=""/>
@@ -3665,7 +3376,6 @@
           <a:solidFill>
             <a:srgbClr val="0C0C0E"/>
           </a:solidFill>
-          <a:ln/>
         </p:spPr>
       </p:sp>
       <p:sp>
@@ -3685,12 +3395,11 @@
           <a:solidFill>
             <a:srgbClr val="F3F3F7"/>
           </a:solidFill>
-          <a:ln/>
         </p:spPr>
       </p:sp>
       <p:pic>
         <p:nvPicPr>
-          <p:cNvPr id="4" name="Image 0" descr="preencoded.png">    </p:cNvPr>
+          <p:cNvPr id="4" name="Image 0" descr="preencoded.png"/>
           <p:cNvPicPr>
             <a:picLocks noChangeAspect="1"/>
           </p:cNvPicPr>
@@ -3727,20 +3436,19 @@
             <a:avLst/>
           </a:prstGeom>
           <a:noFill/>
-          <a:ln/>
         </p:spPr>
         <p:txBody>
           <a:bodyPr wrap="square" rtlCol="0" anchor="t"/>
           <a:lstStyle/>
           <a:p>
-            <a:pPr indent="0" marL="0">
+            <a:pPr marL="0" indent="0">
               <a:lnSpc>
-                <a:spcPts val="5468"/>
+                <a:spcPts val="5470"/>
               </a:lnSpc>
               <a:buNone/>
             </a:pPr>
             <a:r>
-              <a:rPr lang="en-US" sz="4374" b="1" dirty="0">
+              <a:rPr lang="en-US" sz="4375" b="1" dirty="0">
                 <a:solidFill>
                   <a:srgbClr val="101014"/>
                 </a:solidFill>
@@ -3750,7 +3458,7 @@
               </a:rPr>
               <a:t>Case Studies of Finance Dashboard Apps with Machine Learning using MERN Stack</a:t>
             </a:r>
-            <a:endParaRPr lang="en-US" sz="4374" dirty="0"/>
+            <a:endParaRPr lang="en-US" sz="4375" dirty="0"/>
           </a:p>
         </p:txBody>
       </p:sp>
@@ -3773,7 +3481,6 @@
           <a:solidFill>
             <a:srgbClr val="DEDEE9"/>
           </a:solidFill>
-          <a:ln/>
         </p:spPr>
       </p:sp>
       <p:sp>
@@ -3791,20 +3498,19 @@
             <a:avLst/>
           </a:prstGeom>
           <a:noFill/>
-          <a:ln/>
         </p:spPr>
         <p:txBody>
           <a:bodyPr wrap="none" rtlCol="0" anchor="t"/>
           <a:lstStyle/>
           <a:p>
-            <a:pPr indent="0" marL="0">
+            <a:pPr marL="0" indent="0">
               <a:lnSpc>
-                <a:spcPts val="2734"/>
+                <a:spcPts val="2735"/>
               </a:lnSpc>
               <a:buNone/>
             </a:pPr>
             <a:r>
-              <a:rPr lang="en-US" sz="2187" b="1" dirty="0">
+              <a:rPr lang="en-US" sz="2185" b="1" dirty="0">
                 <a:solidFill>
                   <a:srgbClr val="101014"/>
                 </a:solidFill>
@@ -3814,7 +3520,7 @@
               </a:rPr>
               <a:t>Financial Forecasting</a:t>
             </a:r>
-            <a:endParaRPr lang="en-US" sz="2187" dirty="0"/>
+            <a:endParaRPr lang="en-US" sz="2185" dirty="0"/>
           </a:p>
         </p:txBody>
       </p:sp>
@@ -3833,15 +3539,14 @@
             <a:avLst/>
           </a:prstGeom>
           <a:noFill/>
-          <a:ln/>
         </p:spPr>
         <p:txBody>
           <a:bodyPr wrap="square" rtlCol="0" anchor="t"/>
           <a:lstStyle/>
           <a:p>
-            <a:pPr indent="0" marL="0">
+            <a:pPr marL="0" indent="0">
               <a:lnSpc>
-                <a:spcPts val="2799"/>
+                <a:spcPts val="2800"/>
               </a:lnSpc>
               <a:buNone/>
             </a:pPr>
@@ -3879,7 +3584,6 @@
           <a:solidFill>
             <a:srgbClr val="DEDEE9"/>
           </a:solidFill>
-          <a:ln/>
         </p:spPr>
       </p:sp>
       <p:sp>
@@ -3897,20 +3601,19 @@
             <a:avLst/>
           </a:prstGeom>
           <a:noFill/>
-          <a:ln/>
         </p:spPr>
         <p:txBody>
           <a:bodyPr wrap="none" rtlCol="0" anchor="t"/>
           <a:lstStyle/>
           <a:p>
-            <a:pPr indent="0" marL="0">
+            <a:pPr marL="0" indent="0">
               <a:lnSpc>
-                <a:spcPts val="2734"/>
+                <a:spcPts val="2735"/>
               </a:lnSpc>
               <a:buNone/>
             </a:pPr>
             <a:r>
-              <a:rPr lang="en-US" sz="2187" b="1" dirty="0">
+              <a:rPr lang="en-US" sz="2185" b="1" dirty="0">
                 <a:solidFill>
                   <a:srgbClr val="101014"/>
                 </a:solidFill>
@@ -3920,7 +3623,7 @@
               </a:rPr>
               <a:t>Market Trend Analysis</a:t>
             </a:r>
-            <a:endParaRPr lang="en-US" sz="2187" dirty="0"/>
+            <a:endParaRPr lang="en-US" sz="2185" dirty="0"/>
           </a:p>
         </p:txBody>
       </p:sp>
@@ -3939,15 +3642,14 @@
             <a:avLst/>
           </a:prstGeom>
           <a:noFill/>
-          <a:ln/>
         </p:spPr>
         <p:txBody>
           <a:bodyPr wrap="square" rtlCol="0" anchor="t"/>
           <a:lstStyle/>
           <a:p>
-            <a:pPr indent="0" marL="0">
+            <a:pPr marL="0" indent="0">
               <a:lnSpc>
-                <a:spcPts val="2799"/>
+                <a:spcPts val="2800"/>
               </a:lnSpc>
               <a:buNone/>
             </a:pPr>
@@ -3966,32 +3668,6 @@
           </a:p>
         </p:txBody>
       </p:sp>
-      <p:pic>
-        <p:nvPicPr>
-          <p:cNvPr id="12" name="Image 1" descr="preencoded.png">
-            <a:hlinkClick r:id="rId3" tooltip=""/>
-          </p:cNvPr>
-          <p:cNvPicPr>
-            <a:picLocks noChangeAspect="1"/>
-          </p:cNvPicPr>
-          <p:nvPr/>
-        </p:nvPicPr>
-        <p:blipFill>
-          <a:blip r:embed="rId2"/>
-          <a:stretch>
-            <a:fillRect/>
-          </a:stretch>
-        </p:blipFill>
-        <p:spPr>
-          <a:xfrm>
-            <a:off x="12242153" y="7589520"/>
-            <a:ext cx="2296807" cy="548640"/>
-          </a:xfrm>
-          <a:prstGeom prst="rect">
-            <a:avLst/>
-          </a:prstGeom>
-        </p:spPr>
-      </p:pic>
     </p:spTree>
   </p:cSld>
   <p:clrMapOvr>
@@ -4002,7 +3678,7 @@
 
 <file path=ppt/slides/slide7.xml><?xml version="1.0" encoding="utf-8"?>
 <p:sld xmlns:a="http://schemas.openxmlformats.org/drawingml/2006/main" xmlns:r="http://schemas.openxmlformats.org/officeDocument/2006/relationships" xmlns:p="http://schemas.openxmlformats.org/presentationml/2006/main">
-  <p:cSld name="Slide 7">
+  <p:cSld>
     <p:spTree>
       <p:nvGrpSpPr>
         <p:cNvPr id="1" name=""/>
@@ -4034,7 +3710,6 @@
           <a:solidFill>
             <a:srgbClr val="0C0C0E"/>
           </a:solidFill>
-          <a:ln/>
         </p:spPr>
       </p:sp>
       <p:sp>
@@ -4054,7 +3729,6 @@
           <a:solidFill>
             <a:srgbClr val="F3F3F7"/>
           </a:solidFill>
-          <a:ln/>
         </p:spPr>
       </p:sp>
       <p:sp>
@@ -4072,20 +3746,19 @@
             <a:avLst/>
           </a:prstGeom>
           <a:noFill/>
-          <a:ln/>
         </p:spPr>
         <p:txBody>
           <a:bodyPr wrap="square" rtlCol="0" anchor="t"/>
           <a:lstStyle/>
           <a:p>
-            <a:pPr indent="0" marL="0">
+            <a:pPr marL="0" indent="0">
               <a:lnSpc>
-                <a:spcPts val="4403"/>
+                <a:spcPts val="4405"/>
               </a:lnSpc>
               <a:buNone/>
             </a:pPr>
             <a:r>
-              <a:rPr lang="en-US" sz="3523" b="1" dirty="0">
+              <a:rPr lang="en-US" sz="3525" b="1" dirty="0">
                 <a:solidFill>
                   <a:srgbClr val="101014"/>
                 </a:solidFill>
@@ -4095,13 +3768,13 @@
               </a:rPr>
               <a:t>Challenges and Limitations in Developing Finance Dashboard App with Machine Learning using MERN Stack</a:t>
             </a:r>
-            <a:endParaRPr lang="en-US" sz="3523" dirty="0"/>
+            <a:endParaRPr lang="en-US" sz="3525" dirty="0"/>
           </a:p>
         </p:txBody>
       </p:sp>
       <p:pic>
         <p:nvPicPr>
-          <p:cNvPr id="5" name="Image 0" descr="preencoded.png">    </p:cNvPr>
+          <p:cNvPr id="5" name="Image 0" descr="preencoded.png"/>
           <p:cNvPicPr>
             <a:picLocks noChangeAspect="1"/>
           </p:cNvPicPr>
@@ -4138,20 +3811,19 @@
             <a:avLst/>
           </a:prstGeom>
           <a:noFill/>
-          <a:ln/>
         </p:spPr>
         <p:txBody>
           <a:bodyPr wrap="none" rtlCol="0" anchor="t"/>
           <a:lstStyle/>
           <a:p>
-            <a:pPr algn="l" indent="0" marL="0">
+            <a:pPr marL="0" indent="0" algn="l">
               <a:lnSpc>
-                <a:spcPts val="2202"/>
+                <a:spcPts val="2200"/>
               </a:lnSpc>
               <a:buNone/>
             </a:pPr>
             <a:r>
-              <a:rPr lang="en-US" sz="1761" b="1" dirty="0">
+              <a:rPr lang="en-US" sz="1760" b="1" dirty="0">
                 <a:solidFill>
                   <a:srgbClr val="101014"/>
                 </a:solidFill>
@@ -4161,7 +3833,7 @@
               </a:rPr>
               <a:t>Technical Complexity</a:t>
             </a:r>
-            <a:endParaRPr lang="en-US" sz="1761" dirty="0"/>
+            <a:endParaRPr lang="en-US" sz="1760" dirty="0"/>
           </a:p>
         </p:txBody>
       </p:sp>
@@ -4180,20 +3852,19 @@
             <a:avLst/>
           </a:prstGeom>
           <a:noFill/>
-          <a:ln/>
         </p:spPr>
         <p:txBody>
           <a:bodyPr wrap="square" rtlCol="0" anchor="t"/>
           <a:lstStyle/>
           <a:p>
-            <a:pPr algn="l" indent="0" marL="0">
+            <a:pPr marL="0" indent="0" algn="l">
               <a:lnSpc>
                 <a:spcPts val="2255"/>
               </a:lnSpc>
               <a:buNone/>
             </a:pPr>
             <a:r>
-              <a:rPr lang="en-US" sz="1409" dirty="0">
+              <a:rPr lang="en-US" sz="1410" dirty="0">
                 <a:solidFill>
                   <a:srgbClr val="39393C"/>
                 </a:solidFill>
@@ -4203,13 +3874,13 @@
               </a:rPr>
               <a:t>Challenges related to integrating complex machine learning models within the MERN stack architecture are identified.</a:t>
             </a:r>
-            <a:endParaRPr lang="en-US" sz="1409" dirty="0"/>
+            <a:endParaRPr lang="en-US" sz="1410" dirty="0"/>
           </a:p>
         </p:txBody>
       </p:sp>
       <p:pic>
         <p:nvPicPr>
-          <p:cNvPr id="8" name="Image 1" descr="preencoded.png">    </p:cNvPr>
+          <p:cNvPr id="8" name="Image 1" descr="preencoded.png"/>
           <p:cNvPicPr>
             <a:picLocks noChangeAspect="1"/>
           </p:cNvPicPr>
@@ -4246,20 +3917,19 @@
             <a:avLst/>
           </a:prstGeom>
           <a:noFill/>
-          <a:ln/>
         </p:spPr>
         <p:txBody>
           <a:bodyPr wrap="square" rtlCol="0" anchor="t"/>
           <a:lstStyle/>
           <a:p>
-            <a:pPr algn="l" indent="0" marL="0">
+            <a:pPr marL="0" indent="0" algn="l">
               <a:lnSpc>
-                <a:spcPts val="2202"/>
+                <a:spcPts val="2200"/>
               </a:lnSpc>
               <a:buNone/>
             </a:pPr>
             <a:r>
-              <a:rPr lang="en-US" sz="1761" b="1" dirty="0">
+              <a:rPr lang="en-US" sz="1760" b="1" dirty="0">
                 <a:solidFill>
                   <a:srgbClr val="101014"/>
                 </a:solidFill>
@@ -4269,7 +3939,7 @@
               </a:rPr>
               <a:t>Performance Optimization</a:t>
             </a:r>
-            <a:endParaRPr lang="en-US" sz="1761" dirty="0"/>
+            <a:endParaRPr lang="en-US" sz="1760" dirty="0"/>
           </a:p>
         </p:txBody>
       </p:sp>
@@ -4288,20 +3958,19 @@
             <a:avLst/>
           </a:prstGeom>
           <a:noFill/>
-          <a:ln/>
         </p:spPr>
         <p:txBody>
           <a:bodyPr wrap="square" rtlCol="0" anchor="t"/>
           <a:lstStyle/>
           <a:p>
-            <a:pPr algn="l" indent="0" marL="0">
+            <a:pPr marL="0" indent="0" algn="l">
               <a:lnSpc>
                 <a:spcPts val="2255"/>
               </a:lnSpc>
               <a:buNone/>
             </a:pPr>
             <a:r>
-              <a:rPr lang="en-US" sz="1409" dirty="0">
+              <a:rPr lang="en-US" sz="1410" dirty="0">
                 <a:solidFill>
                   <a:srgbClr val="39393C"/>
                 </a:solidFill>
@@ -4311,13 +3980,13 @@
               </a:rPr>
               <a:t>Addressing limitations involves optimizing the performance of machine learning algorithms within the MERN stack environment.</a:t>
             </a:r>
-            <a:endParaRPr lang="en-US" sz="1409" dirty="0"/>
+            <a:endParaRPr lang="en-US" sz="1410" dirty="0"/>
           </a:p>
         </p:txBody>
       </p:sp>
       <p:pic>
         <p:nvPicPr>
-          <p:cNvPr id="11" name="Image 2" descr="preencoded.png">    </p:cNvPr>
+          <p:cNvPr id="11" name="Image 2" descr="preencoded.png"/>
           <p:cNvPicPr>
             <a:picLocks noChangeAspect="1"/>
           </p:cNvPicPr>
@@ -4354,20 +4023,19 @@
             <a:avLst/>
           </a:prstGeom>
           <a:noFill/>
-          <a:ln/>
         </p:spPr>
         <p:txBody>
           <a:bodyPr wrap="none" rtlCol="0" anchor="t"/>
           <a:lstStyle/>
           <a:p>
-            <a:pPr algn="l" indent="0" marL="0">
+            <a:pPr marL="0" indent="0" algn="l">
               <a:lnSpc>
-                <a:spcPts val="2202"/>
+                <a:spcPts val="2200"/>
               </a:lnSpc>
               <a:buNone/>
             </a:pPr>
             <a:r>
-              <a:rPr lang="en-US" sz="1761" b="1" dirty="0">
+              <a:rPr lang="en-US" sz="1760" b="1" dirty="0">
                 <a:solidFill>
                   <a:srgbClr val="101014"/>
                 </a:solidFill>
@@ -4377,7 +4045,7 @@
               </a:rPr>
               <a:t>Data Model Compatibility</a:t>
             </a:r>
-            <a:endParaRPr lang="en-US" sz="1761" dirty="0"/>
+            <a:endParaRPr lang="en-US" sz="1760" dirty="0"/>
           </a:p>
         </p:txBody>
       </p:sp>
@@ -4396,20 +4064,19 @@
             <a:avLst/>
           </a:prstGeom>
           <a:noFill/>
-          <a:ln/>
         </p:spPr>
         <p:txBody>
           <a:bodyPr wrap="square" rtlCol="0" anchor="t"/>
           <a:lstStyle/>
           <a:p>
-            <a:pPr algn="l" indent="0" marL="0">
+            <a:pPr marL="0" indent="0" algn="l">
               <a:lnSpc>
                 <a:spcPts val="2255"/>
               </a:lnSpc>
               <a:buNone/>
             </a:pPr>
             <a:r>
-              <a:rPr lang="en-US" sz="1409" dirty="0">
+              <a:rPr lang="en-US" sz="1410" dirty="0">
                 <a:solidFill>
                   <a:srgbClr val="39393C"/>
                 </a:solidFill>
@@ -4419,13 +4086,13 @@
               </a:rPr>
               <a:t>Understanding data model compatibility issues between MERN stack and machine learning frameworks is crucial to address limitations.</a:t>
             </a:r>
-            <a:endParaRPr lang="en-US" sz="1409" dirty="0"/>
+            <a:endParaRPr lang="en-US" sz="1410" dirty="0"/>
           </a:p>
         </p:txBody>
       </p:sp>
       <p:pic>
         <p:nvPicPr>
-          <p:cNvPr id="14" name="Image 3" descr="preencoded.png">    </p:cNvPr>
+          <p:cNvPr id="14" name="Image 3" descr="preencoded.png"/>
           <p:cNvPicPr>
             <a:picLocks noChangeAspect="1"/>
           </p:cNvPicPr>
@@ -4441,32 +4108,6 @@
           <a:xfrm>
             <a:off x="8910757" y="5083731"/>
             <a:ext cx="2654498" cy="2654498"/>
-          </a:xfrm>
-          <a:prstGeom prst="rect">
-            <a:avLst/>
-          </a:prstGeom>
-        </p:spPr>
-      </p:pic>
-      <p:pic>
-        <p:nvPicPr>
-          <p:cNvPr id="15" name="Image 4" descr="preencoded.png">
-            <a:hlinkClick r:id="rId6" tooltip=""/>
-          </p:cNvPr>
-          <p:cNvPicPr>
-            <a:picLocks noChangeAspect="1"/>
-          </p:cNvPicPr>
-          <p:nvPr/>
-        </p:nvPicPr>
-        <p:blipFill>
-          <a:blip r:embed="rId5"/>
-          <a:stretch>
-            <a:fillRect/>
-          </a:stretch>
-        </p:blipFill>
-        <p:spPr>
-          <a:xfrm>
-            <a:off x="12242153" y="7589520"/>
-            <a:ext cx="2296807" cy="548640"/>
           </a:xfrm>
           <a:prstGeom prst="rect">
             <a:avLst/>
@@ -4524,7 +4165,7 @@
     </a:clrScheme>
     <a:fontScheme name="Office">
       <a:majorFont>
-        <a:latin typeface="Calibri Light" panose="020F0302020204030204"/>
+        <a:latin typeface="Calibri Light"/>
         <a:ea typeface=""/>
         <a:cs typeface=""/>
         <a:font script="Jpan" typeface="游ゴシック Light"/>
@@ -4557,26 +4198,9 @@
         <a:font script="Viet" typeface="Times New Roman"/>
         <a:font script="Uigh" typeface="Microsoft Uighur"/>
         <a:font script="Geor" typeface="Sylfaen"/>
-        <a:font script="Armn" typeface="Arial"/>
-        <a:font script="Bugi" typeface="Leelawadee UI"/>
-        <a:font script="Bopo" typeface="Microsoft JhengHei"/>
-        <a:font script="Java" typeface="Javanese Text"/>
-        <a:font script="Lisu" typeface="Segoe UI"/>
-        <a:font script="Mymr" typeface="Myanmar Text"/>
-        <a:font script="Nkoo" typeface="Ebrima"/>
-        <a:font script="Olck" typeface="Nirmala UI"/>
-        <a:font script="Osma" typeface="Ebrima"/>
-        <a:font script="Phag" typeface="Phagspa"/>
-        <a:font script="Syrn" typeface="Estrangelo Edessa"/>
-        <a:font script="Syrj" typeface="Estrangelo Edessa"/>
-        <a:font script="Syre" typeface="Estrangelo Edessa"/>
-        <a:font script="Sora" typeface="Nirmala UI"/>
-        <a:font script="Tale" typeface="Microsoft Tai Le"/>
-        <a:font script="Talu" typeface="Microsoft New Tai Lue"/>
-        <a:font script="Tfng" typeface="Ebrima"/>
       </a:majorFont>
       <a:minorFont>
-        <a:latin typeface="Calibri" panose="020F0502020204030204"/>
+        <a:latin typeface="Calibri"/>
         <a:ea typeface=""/>
         <a:cs typeface=""/>
         <a:font script="Jpan" typeface="游ゴシック"/>
@@ -4609,23 +4233,6 @@
         <a:font script="Viet" typeface="Arial"/>
         <a:font script="Uigh" typeface="Microsoft Uighur"/>
         <a:font script="Geor" typeface="Sylfaen"/>
-        <a:font script="Armn" typeface="Arial"/>
-        <a:font script="Bugi" typeface="Leelawadee UI"/>
-        <a:font script="Bopo" typeface="Microsoft JhengHei"/>
-        <a:font script="Java" typeface="Javanese Text"/>
-        <a:font script="Lisu" typeface="Segoe UI"/>
-        <a:font script="Mymr" typeface="Myanmar Text"/>
-        <a:font script="Nkoo" typeface="Ebrima"/>
-        <a:font script="Olck" typeface="Nirmala UI"/>
-        <a:font script="Osma" typeface="Ebrima"/>
-        <a:font script="Phag" typeface="Phagspa"/>
-        <a:font script="Syrn" typeface="Estrangelo Edessa"/>
-        <a:font script="Syrj" typeface="Estrangelo Edessa"/>
-        <a:font script="Syre" typeface="Estrangelo Edessa"/>
-        <a:font script="Sora" typeface="Nirmala UI"/>
-        <a:font script="Tale" typeface="Microsoft Tai Le"/>
-        <a:font script="Talu" typeface="Microsoft New Tai Lue"/>
-        <a:font script="Tfng" typeface="Ebrima"/>
       </a:minorFont>
     </a:fontScheme>
     <a:fmtScheme name="Office">
@@ -4766,8 +4373,265 @@
       </a:bgFillStyleLst>
     </a:fmtScheme>
   </a:themeElements>
-  <a:objectDefaults/>
-  <a:extraClrSchemeLst/>
+  <a:extLst>
+    <a:ext uri="{05A4C25C-085E-4340-85A3-A5531E510DB2}">
+      <thm15:themeFamily xmlns:thm15="http://schemas.microsoft.com/office/thememl/2012/main" name="Office Theme" id="{62F939B6-93AF-4DB8-9C6B-D6C7DFDC589F}" vid="{4A3C46E8-61CC-4603-A589-7422A47A8E4A}"/>
+    </a:ext>
+  </a:extLst>
+</a:theme>
+</file>
+
+<file path=ppt/theme/theme2.xml><?xml version="1.0" encoding="utf-8"?>
+<a:theme xmlns:a="http://schemas.openxmlformats.org/drawingml/2006/main" name="Office Theme">
+  <a:themeElements>
+    <a:clrScheme name="Office">
+      <a:dk1>
+        <a:sysClr val="windowText" lastClr="000000"/>
+      </a:dk1>
+      <a:lt1>
+        <a:sysClr val="window" lastClr="FFFFFF"/>
+      </a:lt1>
+      <a:dk2>
+        <a:srgbClr val="44546A"/>
+      </a:dk2>
+      <a:lt2>
+        <a:srgbClr val="E7E6E6"/>
+      </a:lt2>
+      <a:accent1>
+        <a:srgbClr val="4472C4"/>
+      </a:accent1>
+      <a:accent2>
+        <a:srgbClr val="ED7D31"/>
+      </a:accent2>
+      <a:accent3>
+        <a:srgbClr val="A5A5A5"/>
+      </a:accent3>
+      <a:accent4>
+        <a:srgbClr val="FFC000"/>
+      </a:accent4>
+      <a:accent5>
+        <a:srgbClr val="5B9BD5"/>
+      </a:accent5>
+      <a:accent6>
+        <a:srgbClr val="70AD47"/>
+      </a:accent6>
+      <a:hlink>
+        <a:srgbClr val="0563C1"/>
+      </a:hlink>
+      <a:folHlink>
+        <a:srgbClr val="954F72"/>
+      </a:folHlink>
+    </a:clrScheme>
+    <a:fontScheme name="Office">
+      <a:majorFont>
+        <a:latin typeface="Calibri Light"/>
+        <a:ea typeface=""/>
+        <a:cs typeface=""/>
+        <a:font script="Jpan" typeface="游ゴシック Light"/>
+        <a:font script="Hang" typeface="맑은 고딕"/>
+        <a:font script="Hans" typeface="等线 Light"/>
+        <a:font script="Hant" typeface="新細明體"/>
+        <a:font script="Arab" typeface="Times New Roman"/>
+        <a:font script="Hebr" typeface="Times New Roman"/>
+        <a:font script="Thai" typeface="Angsana New"/>
+        <a:font script="Ethi" typeface="Nyala"/>
+        <a:font script="Beng" typeface="Vrinda"/>
+        <a:font script="Gujr" typeface="Shruti"/>
+        <a:font script="Khmr" typeface="MoolBoran"/>
+        <a:font script="Knda" typeface="Tunga"/>
+        <a:font script="Guru" typeface="Raavi"/>
+        <a:font script="Cans" typeface="Euphemia"/>
+        <a:font script="Cher" typeface="Plantagenet Cherokee"/>
+        <a:font script="Yiii" typeface="Microsoft Yi Baiti"/>
+        <a:font script="Tibt" typeface="Microsoft Himalaya"/>
+        <a:font script="Thaa" typeface="MV Boli"/>
+        <a:font script="Deva" typeface="Mangal"/>
+        <a:font script="Telu" typeface="Gautami"/>
+        <a:font script="Taml" typeface="Latha"/>
+        <a:font script="Syrc" typeface="Estrangelo Edessa"/>
+        <a:font script="Orya" typeface="Kalinga"/>
+        <a:font script="Mlym" typeface="Kartika"/>
+        <a:font script="Laoo" typeface="DokChampa"/>
+        <a:font script="Sinh" typeface="Iskoola Pota"/>
+        <a:font script="Mong" typeface="Mongolian Baiti"/>
+        <a:font script="Viet" typeface="Times New Roman"/>
+        <a:font script="Uigh" typeface="Microsoft Uighur"/>
+        <a:font script="Geor" typeface="Sylfaen"/>
+      </a:majorFont>
+      <a:minorFont>
+        <a:latin typeface="Calibri"/>
+        <a:ea typeface=""/>
+        <a:cs typeface=""/>
+        <a:font script="Jpan" typeface="游ゴシック"/>
+        <a:font script="Hang" typeface="맑은 고딕"/>
+        <a:font script="Hans" typeface="等线"/>
+        <a:font script="Hant" typeface="新細明體"/>
+        <a:font script="Arab" typeface="Arial"/>
+        <a:font script="Hebr" typeface="Arial"/>
+        <a:font script="Thai" typeface="Cordia New"/>
+        <a:font script="Ethi" typeface="Nyala"/>
+        <a:font script="Beng" typeface="Vrinda"/>
+        <a:font script="Gujr" typeface="Shruti"/>
+        <a:font script="Khmr" typeface="DaunPenh"/>
+        <a:font script="Knda" typeface="Tunga"/>
+        <a:font script="Guru" typeface="Raavi"/>
+        <a:font script="Cans" typeface="Euphemia"/>
+        <a:font script="Cher" typeface="Plantagenet Cherokee"/>
+        <a:font script="Yiii" typeface="Microsoft Yi Baiti"/>
+        <a:font script="Tibt" typeface="Microsoft Himalaya"/>
+        <a:font script="Thaa" typeface="MV Boli"/>
+        <a:font script="Deva" typeface="Mangal"/>
+        <a:font script="Telu" typeface="Gautami"/>
+        <a:font script="Taml" typeface="Latha"/>
+        <a:font script="Syrc" typeface="Estrangelo Edessa"/>
+        <a:font script="Orya" typeface="Kalinga"/>
+        <a:font script="Mlym" typeface="Kartika"/>
+        <a:font script="Laoo" typeface="DokChampa"/>
+        <a:font script="Sinh" typeface="Iskoola Pota"/>
+        <a:font script="Mong" typeface="Mongolian Baiti"/>
+        <a:font script="Viet" typeface="Arial"/>
+        <a:font script="Uigh" typeface="Microsoft Uighur"/>
+        <a:font script="Geor" typeface="Sylfaen"/>
+      </a:minorFont>
+    </a:fontScheme>
+    <a:fmtScheme name="Office">
+      <a:fillStyleLst>
+        <a:solidFill>
+          <a:schemeClr val="phClr"/>
+        </a:solidFill>
+        <a:gradFill rotWithShape="1">
+          <a:gsLst>
+            <a:gs pos="0">
+              <a:schemeClr val="phClr">
+                <a:lumMod val="110000"/>
+                <a:satMod val="105000"/>
+                <a:tint val="67000"/>
+              </a:schemeClr>
+            </a:gs>
+            <a:gs pos="50000">
+              <a:schemeClr val="phClr">
+                <a:lumMod val="105000"/>
+                <a:satMod val="103000"/>
+                <a:tint val="73000"/>
+              </a:schemeClr>
+            </a:gs>
+            <a:gs pos="100000">
+              <a:schemeClr val="phClr">
+                <a:lumMod val="105000"/>
+                <a:satMod val="109000"/>
+                <a:tint val="81000"/>
+              </a:schemeClr>
+            </a:gs>
+          </a:gsLst>
+          <a:lin ang="5400000" scaled="0"/>
+        </a:gradFill>
+        <a:gradFill rotWithShape="1">
+          <a:gsLst>
+            <a:gs pos="0">
+              <a:schemeClr val="phClr">
+                <a:satMod val="103000"/>
+                <a:lumMod val="102000"/>
+                <a:tint val="94000"/>
+              </a:schemeClr>
+            </a:gs>
+            <a:gs pos="50000">
+              <a:schemeClr val="phClr">
+                <a:satMod val="110000"/>
+                <a:lumMod val="100000"/>
+                <a:shade val="100000"/>
+              </a:schemeClr>
+            </a:gs>
+            <a:gs pos="100000">
+              <a:schemeClr val="phClr">
+                <a:lumMod val="99000"/>
+                <a:satMod val="120000"/>
+                <a:shade val="78000"/>
+              </a:schemeClr>
+            </a:gs>
+          </a:gsLst>
+          <a:lin ang="5400000" scaled="0"/>
+        </a:gradFill>
+      </a:fillStyleLst>
+      <a:lnStyleLst>
+        <a:ln w="6350" cap="flat" cmpd="sng" algn="ctr">
+          <a:solidFill>
+            <a:schemeClr val="phClr"/>
+          </a:solidFill>
+          <a:prstDash val="solid"/>
+          <a:miter lim="800000"/>
+        </a:ln>
+        <a:ln w="12700" cap="flat" cmpd="sng" algn="ctr">
+          <a:solidFill>
+            <a:schemeClr val="phClr"/>
+          </a:solidFill>
+          <a:prstDash val="solid"/>
+          <a:miter lim="800000"/>
+        </a:ln>
+        <a:ln w="19050" cap="flat" cmpd="sng" algn="ctr">
+          <a:solidFill>
+            <a:schemeClr val="phClr"/>
+          </a:solidFill>
+          <a:prstDash val="solid"/>
+          <a:miter lim="800000"/>
+        </a:ln>
+      </a:lnStyleLst>
+      <a:effectStyleLst>
+        <a:effectStyle>
+          <a:effectLst/>
+        </a:effectStyle>
+        <a:effectStyle>
+          <a:effectLst/>
+        </a:effectStyle>
+        <a:effectStyle>
+          <a:effectLst>
+            <a:outerShdw blurRad="57150" dist="19050" dir="5400000" algn="ctr" rotWithShape="0">
+              <a:srgbClr val="000000">
+                <a:alpha val="63000"/>
+              </a:srgbClr>
+            </a:outerShdw>
+          </a:effectLst>
+        </a:effectStyle>
+      </a:effectStyleLst>
+      <a:bgFillStyleLst>
+        <a:solidFill>
+          <a:schemeClr val="phClr"/>
+        </a:solidFill>
+        <a:solidFill>
+          <a:schemeClr val="phClr">
+            <a:tint val="95000"/>
+            <a:satMod val="170000"/>
+          </a:schemeClr>
+        </a:solidFill>
+        <a:gradFill rotWithShape="1">
+          <a:gsLst>
+            <a:gs pos="0">
+              <a:schemeClr val="phClr">
+                <a:tint val="93000"/>
+                <a:satMod val="150000"/>
+                <a:shade val="98000"/>
+                <a:lumMod val="102000"/>
+              </a:schemeClr>
+            </a:gs>
+            <a:gs pos="50000">
+              <a:schemeClr val="phClr">
+                <a:tint val="98000"/>
+                <a:satMod val="130000"/>
+                <a:shade val="90000"/>
+                <a:lumMod val="103000"/>
+              </a:schemeClr>
+            </a:gs>
+            <a:gs pos="100000">
+              <a:schemeClr val="phClr">
+                <a:shade val="63000"/>
+                <a:satMod val="120000"/>
+              </a:schemeClr>
+            </a:gs>
+          </a:gsLst>
+          <a:lin ang="5400000" scaled="0"/>
+        </a:gradFill>
+      </a:bgFillStyleLst>
+    </a:fmtScheme>
+  </a:themeElements>
   <a:extLst>
     <a:ext uri="{05A4C25C-085E-4340-85A3-A5531E510DB2}">
       <thm15:themeFamily xmlns:thm15="http://schemas.microsoft.com/office/thememl/2012/main" name="Office Theme" id="{62F939B6-93AF-4DB8-9C6B-D6C7DFDC589F}" vid="{4A3C46E8-61CC-4603-A589-7422A47A8E4A}"/>
